--- a/yandex_project_game.pptx
+++ b/yandex_project_game.pptx
@@ -15,6 +15,12 @@
     <p:sldId id="260" r:id="rId9"/>
     <p:sldId id="261" r:id="rId10"/>
     <p:sldId id="265" r:id="rId11"/>
+    <p:sldId id="266" r:id="rId12"/>
+    <p:sldId id="267" r:id="rId13"/>
+    <p:sldId id="268" r:id="rId14"/>
+    <p:sldId id="269" r:id="rId15"/>
+    <p:sldId id="270" r:id="rId16"/>
+    <p:sldId id="271" r:id="rId17"/>
   </p:sldIdLst>
   <p:sldSz cx="9144000" cy="6858000" type="screen4x3"/>
   <p:notesSz cx="6858000" cy="9144000"/>
@@ -297,7 +303,8 @@
           <a:p>
             <a:fld id="{82B239DC-1D7A-475E-B229-0AE1E0CA41C2}" type="datetimeFigureOut">
               <a:rPr lang="ru-RU" smtClean="0"/>
-              <a:t>14.02.2019</a:t>
+              <a:pPr/>
+              <a:t>13.05.2019</a:t>
             </a:fld>
             <a:endParaRPr lang="ru-RU"/>
           </a:p>
@@ -339,6 +346,7 @@
           <a:p>
             <a:fld id="{E2143DDC-24F4-4D7B-B71A-CAC8DE330EC9}" type="slidenum">
               <a:rPr lang="ru-RU" smtClean="0"/>
+              <a:pPr/>
               <a:t>‹#›</a:t>
             </a:fld>
             <a:endParaRPr lang="ru-RU"/>
@@ -348,7 +356,7 @@
     </p:spTree>
     <p:extLst>
       <p:ext uri="{BB962C8B-B14F-4D97-AF65-F5344CB8AC3E}">
-        <p14:creationId xmlns:p14="http://schemas.microsoft.com/office/powerpoint/2010/main" val="420807706"/>
+        <p14:creationId xmlns:p14="http://schemas.microsoft.com/office/powerpoint/2010/main" xmlns="" val="420807706"/>
       </p:ext>
     </p:extLst>
   </p:cSld>
@@ -467,7 +475,8 @@
           <a:p>
             <a:fld id="{82B239DC-1D7A-475E-B229-0AE1E0CA41C2}" type="datetimeFigureOut">
               <a:rPr lang="ru-RU" smtClean="0"/>
-              <a:t>14.02.2019</a:t>
+              <a:pPr/>
+              <a:t>13.05.2019</a:t>
             </a:fld>
             <a:endParaRPr lang="ru-RU"/>
           </a:p>
@@ -509,6 +518,7 @@
           <a:p>
             <a:fld id="{E2143DDC-24F4-4D7B-B71A-CAC8DE330EC9}" type="slidenum">
               <a:rPr lang="ru-RU" smtClean="0"/>
+              <a:pPr/>
               <a:t>‹#›</a:t>
             </a:fld>
             <a:endParaRPr lang="ru-RU"/>
@@ -518,7 +528,7 @@
     </p:spTree>
     <p:extLst>
       <p:ext uri="{BB962C8B-B14F-4D97-AF65-F5344CB8AC3E}">
-        <p14:creationId xmlns:p14="http://schemas.microsoft.com/office/powerpoint/2010/main" val="3319623165"/>
+        <p14:creationId xmlns:p14="http://schemas.microsoft.com/office/powerpoint/2010/main" xmlns="" val="3319623165"/>
       </p:ext>
     </p:extLst>
   </p:cSld>
@@ -647,7 +657,8 @@
           <a:p>
             <a:fld id="{82B239DC-1D7A-475E-B229-0AE1E0CA41C2}" type="datetimeFigureOut">
               <a:rPr lang="ru-RU" smtClean="0"/>
-              <a:t>14.02.2019</a:t>
+              <a:pPr/>
+              <a:t>13.05.2019</a:t>
             </a:fld>
             <a:endParaRPr lang="ru-RU"/>
           </a:p>
@@ -689,6 +700,7 @@
           <a:p>
             <a:fld id="{E2143DDC-24F4-4D7B-B71A-CAC8DE330EC9}" type="slidenum">
               <a:rPr lang="ru-RU" smtClean="0"/>
+              <a:pPr/>
               <a:t>‹#›</a:t>
             </a:fld>
             <a:endParaRPr lang="ru-RU"/>
@@ -698,7 +710,7 @@
     </p:spTree>
     <p:extLst>
       <p:ext uri="{BB962C8B-B14F-4D97-AF65-F5344CB8AC3E}">
-        <p14:creationId xmlns:p14="http://schemas.microsoft.com/office/powerpoint/2010/main" val="4258233407"/>
+        <p14:creationId xmlns:p14="http://schemas.microsoft.com/office/powerpoint/2010/main" xmlns="" val="4258233407"/>
       </p:ext>
     </p:extLst>
   </p:cSld>
@@ -817,7 +829,8 @@
           <a:p>
             <a:fld id="{82B239DC-1D7A-475E-B229-0AE1E0CA41C2}" type="datetimeFigureOut">
               <a:rPr lang="ru-RU" smtClean="0"/>
-              <a:t>14.02.2019</a:t>
+              <a:pPr/>
+              <a:t>13.05.2019</a:t>
             </a:fld>
             <a:endParaRPr lang="ru-RU"/>
           </a:p>
@@ -859,6 +872,7 @@
           <a:p>
             <a:fld id="{E2143DDC-24F4-4D7B-B71A-CAC8DE330EC9}" type="slidenum">
               <a:rPr lang="ru-RU" smtClean="0"/>
+              <a:pPr/>
               <a:t>‹#›</a:t>
             </a:fld>
             <a:endParaRPr lang="ru-RU"/>
@@ -868,7 +882,7 @@
     </p:spTree>
     <p:extLst>
       <p:ext uri="{BB962C8B-B14F-4D97-AF65-F5344CB8AC3E}">
-        <p14:creationId xmlns:p14="http://schemas.microsoft.com/office/powerpoint/2010/main" val="2887916248"/>
+        <p14:creationId xmlns:p14="http://schemas.microsoft.com/office/powerpoint/2010/main" xmlns="" val="2887916248"/>
       </p:ext>
     </p:extLst>
   </p:cSld>
@@ -1063,7 +1077,8 @@
           <a:p>
             <a:fld id="{82B239DC-1D7A-475E-B229-0AE1E0CA41C2}" type="datetimeFigureOut">
               <a:rPr lang="ru-RU" smtClean="0"/>
-              <a:t>14.02.2019</a:t>
+              <a:pPr/>
+              <a:t>13.05.2019</a:t>
             </a:fld>
             <a:endParaRPr lang="ru-RU"/>
           </a:p>
@@ -1105,6 +1120,7 @@
           <a:p>
             <a:fld id="{E2143DDC-24F4-4D7B-B71A-CAC8DE330EC9}" type="slidenum">
               <a:rPr lang="ru-RU" smtClean="0"/>
+              <a:pPr/>
               <a:t>‹#›</a:t>
             </a:fld>
             <a:endParaRPr lang="ru-RU"/>
@@ -1114,7 +1130,7 @@
     </p:spTree>
     <p:extLst>
       <p:ext uri="{BB962C8B-B14F-4D97-AF65-F5344CB8AC3E}">
-        <p14:creationId xmlns:p14="http://schemas.microsoft.com/office/powerpoint/2010/main" val="310524"/>
+        <p14:creationId xmlns:p14="http://schemas.microsoft.com/office/powerpoint/2010/main" xmlns="" val="310524"/>
       </p:ext>
     </p:extLst>
   </p:cSld>
@@ -1351,7 +1367,8 @@
           <a:p>
             <a:fld id="{82B239DC-1D7A-475E-B229-0AE1E0CA41C2}" type="datetimeFigureOut">
               <a:rPr lang="ru-RU" smtClean="0"/>
-              <a:t>14.02.2019</a:t>
+              <a:pPr/>
+              <a:t>13.05.2019</a:t>
             </a:fld>
             <a:endParaRPr lang="ru-RU"/>
           </a:p>
@@ -1393,6 +1410,7 @@
           <a:p>
             <a:fld id="{E2143DDC-24F4-4D7B-B71A-CAC8DE330EC9}" type="slidenum">
               <a:rPr lang="ru-RU" smtClean="0"/>
+              <a:pPr/>
               <a:t>‹#›</a:t>
             </a:fld>
             <a:endParaRPr lang="ru-RU"/>
@@ -1402,7 +1420,7 @@
     </p:spTree>
     <p:extLst>
       <p:ext uri="{BB962C8B-B14F-4D97-AF65-F5344CB8AC3E}">
-        <p14:creationId xmlns:p14="http://schemas.microsoft.com/office/powerpoint/2010/main" val="862827764"/>
+        <p14:creationId xmlns:p14="http://schemas.microsoft.com/office/powerpoint/2010/main" xmlns="" val="862827764"/>
       </p:ext>
     </p:extLst>
   </p:cSld>
@@ -1773,7 +1791,8 @@
           <a:p>
             <a:fld id="{82B239DC-1D7A-475E-B229-0AE1E0CA41C2}" type="datetimeFigureOut">
               <a:rPr lang="ru-RU" smtClean="0"/>
-              <a:t>14.02.2019</a:t>
+              <a:pPr/>
+              <a:t>13.05.2019</a:t>
             </a:fld>
             <a:endParaRPr lang="ru-RU"/>
           </a:p>
@@ -1815,6 +1834,7 @@
           <a:p>
             <a:fld id="{E2143DDC-24F4-4D7B-B71A-CAC8DE330EC9}" type="slidenum">
               <a:rPr lang="ru-RU" smtClean="0"/>
+              <a:pPr/>
               <a:t>‹#›</a:t>
             </a:fld>
             <a:endParaRPr lang="ru-RU"/>
@@ -1824,7 +1844,7 @@
     </p:spTree>
     <p:extLst>
       <p:ext uri="{BB962C8B-B14F-4D97-AF65-F5344CB8AC3E}">
-        <p14:creationId xmlns:p14="http://schemas.microsoft.com/office/powerpoint/2010/main" val="2675204211"/>
+        <p14:creationId xmlns:p14="http://schemas.microsoft.com/office/powerpoint/2010/main" xmlns="" val="2675204211"/>
       </p:ext>
     </p:extLst>
   </p:cSld>
@@ -1891,7 +1911,8 @@
           <a:p>
             <a:fld id="{82B239DC-1D7A-475E-B229-0AE1E0CA41C2}" type="datetimeFigureOut">
               <a:rPr lang="ru-RU" smtClean="0"/>
-              <a:t>14.02.2019</a:t>
+              <a:pPr/>
+              <a:t>13.05.2019</a:t>
             </a:fld>
             <a:endParaRPr lang="ru-RU"/>
           </a:p>
@@ -1933,6 +1954,7 @@
           <a:p>
             <a:fld id="{E2143DDC-24F4-4D7B-B71A-CAC8DE330EC9}" type="slidenum">
               <a:rPr lang="ru-RU" smtClean="0"/>
+              <a:pPr/>
               <a:t>‹#›</a:t>
             </a:fld>
             <a:endParaRPr lang="ru-RU"/>
@@ -1942,7 +1964,7 @@
     </p:spTree>
     <p:extLst>
       <p:ext uri="{BB962C8B-B14F-4D97-AF65-F5344CB8AC3E}">
-        <p14:creationId xmlns:p14="http://schemas.microsoft.com/office/powerpoint/2010/main" val="860327572"/>
+        <p14:creationId xmlns:p14="http://schemas.microsoft.com/office/powerpoint/2010/main" xmlns="" val="860327572"/>
       </p:ext>
     </p:extLst>
   </p:cSld>
@@ -1986,7 +2008,8 @@
           <a:p>
             <a:fld id="{82B239DC-1D7A-475E-B229-0AE1E0CA41C2}" type="datetimeFigureOut">
               <a:rPr lang="ru-RU" smtClean="0"/>
-              <a:t>14.02.2019</a:t>
+              <a:pPr/>
+              <a:t>13.05.2019</a:t>
             </a:fld>
             <a:endParaRPr lang="ru-RU"/>
           </a:p>
@@ -2028,6 +2051,7 @@
           <a:p>
             <a:fld id="{E2143DDC-24F4-4D7B-B71A-CAC8DE330EC9}" type="slidenum">
               <a:rPr lang="ru-RU" smtClean="0"/>
+              <a:pPr/>
               <a:t>‹#›</a:t>
             </a:fld>
             <a:endParaRPr lang="ru-RU"/>
@@ -2037,7 +2061,7 @@
     </p:spTree>
     <p:extLst>
       <p:ext uri="{BB962C8B-B14F-4D97-AF65-F5344CB8AC3E}">
-        <p14:creationId xmlns:p14="http://schemas.microsoft.com/office/powerpoint/2010/main" val="3658006416"/>
+        <p14:creationId xmlns:p14="http://schemas.microsoft.com/office/powerpoint/2010/main" xmlns="" val="3658006416"/>
       </p:ext>
     </p:extLst>
   </p:cSld>
@@ -2263,7 +2287,8 @@
           <a:p>
             <a:fld id="{82B239DC-1D7A-475E-B229-0AE1E0CA41C2}" type="datetimeFigureOut">
               <a:rPr lang="ru-RU" smtClean="0"/>
-              <a:t>14.02.2019</a:t>
+              <a:pPr/>
+              <a:t>13.05.2019</a:t>
             </a:fld>
             <a:endParaRPr lang="ru-RU"/>
           </a:p>
@@ -2305,6 +2330,7 @@
           <a:p>
             <a:fld id="{E2143DDC-24F4-4D7B-B71A-CAC8DE330EC9}" type="slidenum">
               <a:rPr lang="ru-RU" smtClean="0"/>
+              <a:pPr/>
               <a:t>‹#›</a:t>
             </a:fld>
             <a:endParaRPr lang="ru-RU"/>
@@ -2314,7 +2340,7 @@
     </p:spTree>
     <p:extLst>
       <p:ext uri="{BB962C8B-B14F-4D97-AF65-F5344CB8AC3E}">
-        <p14:creationId xmlns:p14="http://schemas.microsoft.com/office/powerpoint/2010/main" val="2025370763"/>
+        <p14:creationId xmlns:p14="http://schemas.microsoft.com/office/powerpoint/2010/main" xmlns="" val="2025370763"/>
       </p:ext>
     </p:extLst>
   </p:cSld>
@@ -2516,7 +2542,8 @@
           <a:p>
             <a:fld id="{82B239DC-1D7A-475E-B229-0AE1E0CA41C2}" type="datetimeFigureOut">
               <a:rPr lang="ru-RU" smtClean="0"/>
-              <a:t>14.02.2019</a:t>
+              <a:pPr/>
+              <a:t>13.05.2019</a:t>
             </a:fld>
             <a:endParaRPr lang="ru-RU"/>
           </a:p>
@@ -2558,6 +2585,7 @@
           <a:p>
             <a:fld id="{E2143DDC-24F4-4D7B-B71A-CAC8DE330EC9}" type="slidenum">
               <a:rPr lang="ru-RU" smtClean="0"/>
+              <a:pPr/>
               <a:t>‹#›</a:t>
             </a:fld>
             <a:endParaRPr lang="ru-RU"/>
@@ -2567,7 +2595,7 @@
     </p:spTree>
     <p:extLst>
       <p:ext uri="{BB962C8B-B14F-4D97-AF65-F5344CB8AC3E}">
-        <p14:creationId xmlns:p14="http://schemas.microsoft.com/office/powerpoint/2010/main" val="3434666250"/>
+        <p14:creationId xmlns:p14="http://schemas.microsoft.com/office/powerpoint/2010/main" xmlns="" val="3434666250"/>
       </p:ext>
     </p:extLst>
   </p:cSld>
@@ -2735,7 +2763,8 @@
           <a:p>
             <a:fld id="{82B239DC-1D7A-475E-B229-0AE1E0CA41C2}" type="datetimeFigureOut">
               <a:rPr lang="ru-RU" smtClean="0"/>
-              <a:t>14.02.2019</a:t>
+              <a:pPr/>
+              <a:t>13.05.2019</a:t>
             </a:fld>
             <a:endParaRPr lang="ru-RU"/>
           </a:p>
@@ -2813,6 +2842,7 @@
           <a:p>
             <a:fld id="{E2143DDC-24F4-4D7B-B71A-CAC8DE330EC9}" type="slidenum">
               <a:rPr lang="ru-RU" smtClean="0"/>
+              <a:pPr/>
               <a:t>‹#›</a:t>
             </a:fld>
             <a:endParaRPr lang="ru-RU"/>
@@ -2822,7 +2852,7 @@
     </p:spTree>
     <p:extLst>
       <p:ext uri="{BB962C8B-B14F-4D97-AF65-F5344CB8AC3E}">
-        <p14:creationId xmlns:p14="http://schemas.microsoft.com/office/powerpoint/2010/main" val="4007980563"/>
+        <p14:creationId xmlns:p14="http://schemas.microsoft.com/office/powerpoint/2010/main" xmlns="" val="4007980563"/>
       </p:ext>
     </p:extLst>
   </p:cSld>
@@ -3118,8 +3148,8 @@
         </p:nvSpPr>
         <p:spPr>
           <a:xfrm>
-            <a:off x="2830379" y="908720"/>
-            <a:ext cx="3545779" cy="769441"/>
+            <a:off x="2643174" y="857232"/>
+            <a:ext cx="4123245" cy="769441"/>
           </a:xfrm>
           <a:prstGeom prst="rect">
             <a:avLst/>
@@ -3134,13 +3164,24 @@
           <a:p>
             <a:pPr algn="ctr"/>
             <a:r>
+              <a:rPr lang="en-US" sz="4400" b="1" dirty="0" smtClean="0">
+                <a:solidFill>
+                  <a:schemeClr val="bg1"/>
+                </a:solidFill>
+                <a:latin typeface="Tahoma" pitchFamily="34" charset="0"/>
+                <a:ea typeface="Tahoma" pitchFamily="34" charset="0"/>
+                <a:cs typeface="Tahoma" pitchFamily="34" charset="0"/>
+              </a:rPr>
+              <a:t>H.O.S.T.A.G.E</a:t>
+            </a:r>
+            <a:r>
               <a:rPr lang="en-US" sz="4400" dirty="0" smtClean="0">
                 <a:solidFill>
                   <a:schemeClr val="bg1"/>
                 </a:solidFill>
                 <a:latin typeface="Code Pro Bold" pitchFamily="50" charset="0"/>
               </a:rPr>
-              <a:t>H.O.S.T.A.G.E.</a:t>
+              <a:t>.</a:t>
             </a:r>
             <a:endParaRPr lang="ru-RU" sz="4400" dirty="0">
               <a:solidFill>
@@ -3178,7 +3219,9 @@
                 <a:solidFill>
                   <a:schemeClr val="bg1"/>
                 </a:solidFill>
-                <a:latin typeface="Code Pro Bold" pitchFamily="50" charset="0"/>
+                <a:latin typeface="Tahoma" pitchFamily="34" charset="0"/>
+                <a:ea typeface="Tahoma" pitchFamily="34" charset="0"/>
+                <a:cs typeface="Tahoma" pitchFamily="34" charset="0"/>
               </a:rPr>
               <a:t>НУРМАХАН БАХТИЯР</a:t>
             </a:r>
@@ -3186,6 +3229,9 @@
               <a:solidFill>
                 <a:schemeClr val="bg1"/>
               </a:solidFill>
+              <a:latin typeface="Tahoma" pitchFamily="34" charset="0"/>
+              <a:ea typeface="Tahoma" pitchFamily="34" charset="0"/>
+              <a:cs typeface="Tahoma" pitchFamily="34" charset="0"/>
             </a:endParaRPr>
           </a:p>
         </p:txBody>
@@ -3202,7 +3248,7 @@
           <a:blip r:embed="rId2">
             <a:extLst>
               <a:ext uri="{28A0092B-C50C-407E-A947-70E740481C1C}">
-                <a14:useLocalDpi xmlns:a14="http://schemas.microsoft.com/office/drawing/2010/main" val="0"/>
+                <a14:useLocalDpi xmlns:a14="http://schemas.microsoft.com/office/drawing/2010/main" xmlns="" val="0"/>
               </a:ext>
             </a:extLst>
           </a:blip>
@@ -3226,14 +3272,14 @@
           <a:effectLst/>
           <a:extLst>
             <a:ext uri="{909E8E84-426E-40DD-AFC4-6F175D3DCCD1}">
-              <a14:hiddenFill xmlns:a14="http://schemas.microsoft.com/office/drawing/2010/main">
+              <a14:hiddenFill xmlns:a14="http://schemas.microsoft.com/office/drawing/2010/main" xmlns="">
                 <a:solidFill>
                   <a:schemeClr val="accent1"/>
                 </a:solidFill>
               </a14:hiddenFill>
             </a:ext>
             <a:ext uri="{91240B29-F687-4F45-9708-019B960494DF}">
-              <a14:hiddenLine xmlns:a14="http://schemas.microsoft.com/office/drawing/2010/main" w="9525">
+              <a14:hiddenLine xmlns:a14="http://schemas.microsoft.com/office/drawing/2010/main" xmlns="" w="9525">
                 <a:solidFill>
                   <a:schemeClr val="tx1"/>
                 </a:solidFill>
@@ -3243,7 +3289,7 @@
               </a14:hiddenLine>
             </a:ext>
             <a:ext uri="{AF507438-7753-43E0-B8FC-AC1667EBCBE1}">
-              <a14:hiddenEffects xmlns:a14="http://schemas.microsoft.com/office/drawing/2010/main">
+              <a14:hiddenEffects xmlns:a14="http://schemas.microsoft.com/office/drawing/2010/main" xmlns="">
                 <a:effectLst>
                   <a:outerShdw dist="35921" dir="2700000" algn="ctr" rotWithShape="0">
                     <a:schemeClr val="bg2"/>
@@ -3257,7 +3303,7 @@
     </p:spTree>
     <p:extLst>
       <p:ext uri="{BB962C8B-B14F-4D97-AF65-F5344CB8AC3E}">
-        <p14:creationId xmlns:p14="http://schemas.microsoft.com/office/powerpoint/2010/main" val="4075113821"/>
+        <p14:creationId xmlns:p14="http://schemas.microsoft.com/office/powerpoint/2010/main" xmlns="" val="4075113821"/>
       </p:ext>
     </p:extLst>
   </p:cSld>
@@ -3299,7 +3345,7 @@
         </p:nvSpPr>
         <p:spPr>
           <a:xfrm>
-            <a:off x="2736422" y="908720"/>
+            <a:off x="2786050" y="714356"/>
             <a:ext cx="3733714" cy="769441"/>
           </a:xfrm>
           <a:prstGeom prst="rect">
@@ -3319,7 +3365,9 @@
                 <a:solidFill>
                   <a:schemeClr val="bg1"/>
                 </a:solidFill>
-                <a:latin typeface="Code Pro Bold" pitchFamily="50" charset="0"/>
+                <a:latin typeface="Tahoma" pitchFamily="34" charset="0"/>
+                <a:ea typeface="Tahoma" pitchFamily="34" charset="0"/>
+                <a:cs typeface="Tahoma" pitchFamily="34" charset="0"/>
               </a:rPr>
               <a:t>СКРИНШОТЫ</a:t>
             </a:r>
@@ -3327,6 +3375,9 @@
               <a:solidFill>
                 <a:schemeClr val="bg1"/>
               </a:solidFill>
+              <a:latin typeface="Tahoma" pitchFamily="34" charset="0"/>
+              <a:ea typeface="Tahoma" pitchFamily="34" charset="0"/>
+              <a:cs typeface="Tahoma" pitchFamily="34" charset="0"/>
             </a:endParaRPr>
           </a:p>
         </p:txBody>
@@ -3343,7 +3394,7 @@
           <a:blip r:embed="rId2">
             <a:extLst>
               <a:ext uri="{28A0092B-C50C-407E-A947-70E740481C1C}">
-                <a14:useLocalDpi xmlns:a14="http://schemas.microsoft.com/office/drawing/2010/main" val="0"/>
+                <a14:useLocalDpi xmlns:a14="http://schemas.microsoft.com/office/drawing/2010/main" xmlns="" val="0"/>
               </a:ext>
             </a:extLst>
           </a:blip>
@@ -3367,14 +3418,14 @@
           <a:effectLst/>
           <a:extLst>
             <a:ext uri="{909E8E84-426E-40DD-AFC4-6F175D3DCCD1}">
-              <a14:hiddenFill xmlns:a14="http://schemas.microsoft.com/office/drawing/2010/main">
+              <a14:hiddenFill xmlns:a14="http://schemas.microsoft.com/office/drawing/2010/main" xmlns="">
                 <a:solidFill>
                   <a:schemeClr val="accent1"/>
                 </a:solidFill>
               </a14:hiddenFill>
             </a:ext>
             <a:ext uri="{91240B29-F687-4F45-9708-019B960494DF}">
-              <a14:hiddenLine xmlns:a14="http://schemas.microsoft.com/office/drawing/2010/main" w="9525">
+              <a14:hiddenLine xmlns:a14="http://schemas.microsoft.com/office/drawing/2010/main" xmlns="" w="9525">
                 <a:solidFill>
                   <a:schemeClr val="tx1"/>
                 </a:solidFill>
@@ -3384,7 +3435,7 @@
               </a14:hiddenLine>
             </a:ext>
             <a:ext uri="{AF507438-7753-43E0-B8FC-AC1667EBCBE1}">
-              <a14:hiddenEffects xmlns:a14="http://schemas.microsoft.com/office/drawing/2010/main">
+              <a14:hiddenEffects xmlns:a14="http://schemas.microsoft.com/office/drawing/2010/main" xmlns="">
                 <a:effectLst>
                   <a:outerShdw dist="35921" dir="2700000" algn="ctr" rotWithShape="0">
                     <a:schemeClr val="bg2"/>
@@ -3407,7 +3458,7 @@
           <a:blip r:embed="rId3">
             <a:extLst>
               <a:ext uri="{28A0092B-C50C-407E-A947-70E740481C1C}">
-                <a14:useLocalDpi xmlns:a14="http://schemas.microsoft.com/office/drawing/2010/main" val="0"/>
+                <a14:useLocalDpi xmlns:a14="http://schemas.microsoft.com/office/drawing/2010/main" xmlns="" val="0"/>
               </a:ext>
             </a:extLst>
           </a:blip>
@@ -3431,14 +3482,14 @@
           <a:effectLst/>
           <a:extLst>
             <a:ext uri="{909E8E84-426E-40DD-AFC4-6F175D3DCCD1}">
-              <a14:hiddenFill xmlns:a14="http://schemas.microsoft.com/office/drawing/2010/main">
+              <a14:hiddenFill xmlns:a14="http://schemas.microsoft.com/office/drawing/2010/main" xmlns="">
                 <a:solidFill>
                   <a:schemeClr val="accent1"/>
                 </a:solidFill>
               </a14:hiddenFill>
             </a:ext>
             <a:ext uri="{91240B29-F687-4F45-9708-019B960494DF}">
-              <a14:hiddenLine xmlns:a14="http://schemas.microsoft.com/office/drawing/2010/main" w="9525">
+              <a14:hiddenLine xmlns:a14="http://schemas.microsoft.com/office/drawing/2010/main" xmlns="" w="9525">
                 <a:solidFill>
                   <a:schemeClr val="tx1"/>
                 </a:solidFill>
@@ -3448,7 +3499,7 @@
               </a14:hiddenLine>
             </a:ext>
             <a:ext uri="{AF507438-7753-43E0-B8FC-AC1667EBCBE1}">
-              <a14:hiddenEffects xmlns:a14="http://schemas.microsoft.com/office/drawing/2010/main">
+              <a14:hiddenEffects xmlns:a14="http://schemas.microsoft.com/office/drawing/2010/main" xmlns="">
                 <a:effectLst>
                   <a:outerShdw dist="35921" dir="2700000" algn="ctr" rotWithShape="0">
                     <a:schemeClr val="bg2"/>
@@ -3471,7 +3522,7 @@
           <a:blip r:embed="rId4">
             <a:extLst>
               <a:ext uri="{28A0092B-C50C-407E-A947-70E740481C1C}">
-                <a14:useLocalDpi xmlns:a14="http://schemas.microsoft.com/office/drawing/2010/main" val="0"/>
+                <a14:useLocalDpi xmlns:a14="http://schemas.microsoft.com/office/drawing/2010/main" xmlns="" val="0"/>
               </a:ext>
             </a:extLst>
           </a:blip>
@@ -3495,14 +3546,14 @@
           <a:effectLst/>
           <a:extLst>
             <a:ext uri="{909E8E84-426E-40DD-AFC4-6F175D3DCCD1}">
-              <a14:hiddenFill xmlns:a14="http://schemas.microsoft.com/office/drawing/2010/main">
+              <a14:hiddenFill xmlns:a14="http://schemas.microsoft.com/office/drawing/2010/main" xmlns="">
                 <a:solidFill>
                   <a:schemeClr val="accent1"/>
                 </a:solidFill>
               </a14:hiddenFill>
             </a:ext>
             <a:ext uri="{91240B29-F687-4F45-9708-019B960494DF}">
-              <a14:hiddenLine xmlns:a14="http://schemas.microsoft.com/office/drawing/2010/main" w="9525">
+              <a14:hiddenLine xmlns:a14="http://schemas.microsoft.com/office/drawing/2010/main" xmlns="" w="9525">
                 <a:solidFill>
                   <a:schemeClr val="tx1"/>
                 </a:solidFill>
@@ -3512,7 +3563,7 @@
               </a14:hiddenLine>
             </a:ext>
             <a:ext uri="{AF507438-7753-43E0-B8FC-AC1667EBCBE1}">
-              <a14:hiddenEffects xmlns:a14="http://schemas.microsoft.com/office/drawing/2010/main">
+              <a14:hiddenEffects xmlns:a14="http://schemas.microsoft.com/office/drawing/2010/main" xmlns="">
                 <a:effectLst>
                   <a:outerShdw dist="35921" dir="2700000" algn="ctr" rotWithShape="0">
                     <a:schemeClr val="bg2"/>
@@ -3526,7 +3577,1313 @@
     </p:spTree>
     <p:extLst>
       <p:ext uri="{BB962C8B-B14F-4D97-AF65-F5344CB8AC3E}">
-        <p14:creationId xmlns:p14="http://schemas.microsoft.com/office/powerpoint/2010/main" val="1371460448"/>
+        <p14:creationId xmlns:p14="http://schemas.microsoft.com/office/powerpoint/2010/main" xmlns="" val="1371460448"/>
+      </p:ext>
+    </p:extLst>
+  </p:cSld>
+  <p:clrMapOvr>
+    <a:masterClrMapping/>
+  </p:clrMapOvr>
+  <p:timing>
+    <p:tnLst>
+      <p:par>
+        <p:cTn id="1" dur="indefinite" restart="never" nodeType="tmRoot"/>
+      </p:par>
+    </p:tnLst>
+  </p:timing>
+</p:sld>
+</file>
+
+<file path=ppt/slides/slide11.xml><?xml version="1.0" encoding="utf-8"?>
+<p:sld xmlns:a="http://schemas.openxmlformats.org/drawingml/2006/main" xmlns:r="http://schemas.openxmlformats.org/officeDocument/2006/relationships" xmlns:p="http://schemas.openxmlformats.org/presentationml/2006/main">
+  <p:cSld>
+    <p:spTree>
+      <p:nvGrpSpPr>
+        <p:cNvPr id="1" name=""/>
+        <p:cNvGrpSpPr/>
+        <p:nvPr/>
+      </p:nvGrpSpPr>
+      <p:grpSpPr>
+        <a:xfrm>
+          <a:off x="0" y="0"/>
+          <a:ext cx="0" cy="0"/>
+          <a:chOff x="0" y="0"/>
+          <a:chExt cx="0" cy="0"/>
+        </a:xfrm>
+      </p:grpSpPr>
+      <p:sp>
+        <p:nvSpPr>
+          <p:cNvPr id="4" name="TextBox 3"/>
+          <p:cNvSpPr txBox="1"/>
+          <p:nvPr/>
+        </p:nvSpPr>
+        <p:spPr>
+          <a:xfrm>
+            <a:off x="2428860" y="285728"/>
+            <a:ext cx="5048178" cy="769441"/>
+          </a:xfrm>
+          <a:prstGeom prst="rect">
+            <a:avLst/>
+          </a:prstGeom>
+          <a:noFill/>
+        </p:spPr>
+        <p:txBody>
+          <a:bodyPr wrap="none" rtlCol="0">
+            <a:spAutoFit/>
+          </a:bodyPr>
+          <a:lstStyle/>
+          <a:p>
+            <a:pPr algn="ctr"/>
+            <a:r>
+              <a:rPr lang="ru-RU" sz="4400" dirty="0" smtClean="0">
+                <a:solidFill>
+                  <a:schemeClr val="bg1"/>
+                </a:solidFill>
+                <a:latin typeface="Tahoma" pitchFamily="34" charset="0"/>
+                <a:ea typeface="Tahoma" pitchFamily="34" charset="0"/>
+                <a:cs typeface="Tahoma" pitchFamily="34" charset="0"/>
+              </a:rPr>
+              <a:t>Особенности игры</a:t>
+            </a:r>
+            <a:endParaRPr lang="ru-RU" sz="4400" dirty="0">
+              <a:solidFill>
+                <a:schemeClr val="bg1"/>
+              </a:solidFill>
+              <a:latin typeface="Tahoma" pitchFamily="34" charset="0"/>
+              <a:ea typeface="Tahoma" pitchFamily="34" charset="0"/>
+              <a:cs typeface="Tahoma" pitchFamily="34" charset="0"/>
+            </a:endParaRPr>
+          </a:p>
+        </p:txBody>
+      </p:sp>
+      <p:sp>
+        <p:nvSpPr>
+          <p:cNvPr id="6" name="Прямоугольник 5"/>
+          <p:cNvSpPr/>
+          <p:nvPr/>
+        </p:nvSpPr>
+        <p:spPr>
+          <a:xfrm>
+            <a:off x="2500298" y="5000636"/>
+            <a:ext cx="4572000" cy="677108"/>
+          </a:xfrm>
+          <a:prstGeom prst="rect">
+            <a:avLst/>
+          </a:prstGeom>
+        </p:spPr>
+        <p:txBody>
+          <a:bodyPr>
+            <a:spAutoFit/>
+          </a:bodyPr>
+          <a:lstStyle/>
+          <a:p>
+            <a:pPr algn="ctr"/>
+            <a:r>
+              <a:rPr lang="ru-RU" sz="2000" dirty="0" smtClean="0">
+                <a:solidFill>
+                  <a:schemeClr val="bg1"/>
+                </a:solidFill>
+                <a:latin typeface="Tahoma" pitchFamily="34" charset="0"/>
+                <a:ea typeface="Tahoma" pitchFamily="34" charset="0"/>
+                <a:cs typeface="Tahoma" pitchFamily="34" charset="0"/>
+              </a:rPr>
+              <a:t>Эффект Объемности.</a:t>
+            </a:r>
+            <a:r>
+              <a:rPr lang="ru-RU" dirty="0" smtClean="0">
+                <a:solidFill>
+                  <a:schemeClr val="bg1"/>
+                </a:solidFill>
+                <a:latin typeface="Tahoma" pitchFamily="34" charset="0"/>
+                <a:ea typeface="Tahoma" pitchFamily="34" charset="0"/>
+                <a:cs typeface="Tahoma" pitchFamily="34" charset="0"/>
+              </a:rPr>
+              <a:t/>
+            </a:r>
+            <a:br>
+              <a:rPr lang="ru-RU" dirty="0" smtClean="0">
+                <a:solidFill>
+                  <a:schemeClr val="bg1"/>
+                </a:solidFill>
+                <a:latin typeface="Tahoma" pitchFamily="34" charset="0"/>
+                <a:ea typeface="Tahoma" pitchFamily="34" charset="0"/>
+                <a:cs typeface="Tahoma" pitchFamily="34" charset="0"/>
+              </a:rPr>
+            </a:br>
+            <a:r>
+              <a:rPr lang="ru-RU" dirty="0" smtClean="0">
+                <a:solidFill>
+                  <a:schemeClr val="tx1">
+                    <a:lumMod val="50000"/>
+                    <a:lumOff val="50000"/>
+                  </a:schemeClr>
+                </a:solidFill>
+                <a:latin typeface="Tahoma" pitchFamily="34" charset="0"/>
+                <a:ea typeface="Tahoma" pitchFamily="34" charset="0"/>
+                <a:cs typeface="Tahoma" pitchFamily="34" charset="0"/>
+              </a:rPr>
+              <a:t>(герой как бы стоит за камнем)</a:t>
+            </a:r>
+            <a:endParaRPr lang="ru-RU" dirty="0" smtClean="0">
+              <a:solidFill>
+                <a:schemeClr val="tx1">
+                  <a:lumMod val="50000"/>
+                  <a:lumOff val="50000"/>
+                </a:schemeClr>
+              </a:solidFill>
+              <a:latin typeface="Tahoma" pitchFamily="34" charset="0"/>
+              <a:ea typeface="Tahoma" pitchFamily="34" charset="0"/>
+              <a:cs typeface="Tahoma" pitchFamily="34" charset="0"/>
+            </a:endParaRPr>
+          </a:p>
+        </p:txBody>
+      </p:sp>
+      <p:pic>
+        <p:nvPicPr>
+          <p:cNvPr id="1026" name="Picture 2"/>
+          <p:cNvPicPr>
+            <a:picLocks noChangeAspect="1" noChangeArrowheads="1"/>
+          </p:cNvPicPr>
+          <p:nvPr/>
+        </p:nvPicPr>
+        <p:blipFill>
+          <a:blip r:embed="rId2"/>
+          <a:srcRect/>
+          <a:stretch>
+            <a:fillRect/>
+          </a:stretch>
+        </p:blipFill>
+        <p:spPr bwMode="auto">
+          <a:xfrm>
+            <a:off x="1714480" y="1285860"/>
+            <a:ext cx="6000792" cy="3348390"/>
+          </a:xfrm>
+          <a:prstGeom prst="rect">
+            <a:avLst/>
+          </a:prstGeom>
+          <a:noFill/>
+          <a:ln w="9525">
+            <a:noFill/>
+            <a:miter lim="800000"/>
+            <a:headEnd/>
+            <a:tailEnd/>
+          </a:ln>
+          <a:effectLst/>
+        </p:spPr>
+      </p:pic>
+    </p:spTree>
+    <p:extLst>
+      <p:ext uri="{BB962C8B-B14F-4D97-AF65-F5344CB8AC3E}">
+        <p14:creationId xmlns:p14="http://schemas.microsoft.com/office/powerpoint/2010/main" xmlns="" val="1371460448"/>
+      </p:ext>
+    </p:extLst>
+  </p:cSld>
+  <p:clrMapOvr>
+    <a:masterClrMapping/>
+  </p:clrMapOvr>
+  <p:timing>
+    <p:tnLst>
+      <p:par>
+        <p:cTn id="1" dur="indefinite" restart="never" nodeType="tmRoot"/>
+      </p:par>
+    </p:tnLst>
+  </p:timing>
+</p:sld>
+</file>
+
+<file path=ppt/slides/slide12.xml><?xml version="1.0" encoding="utf-8"?>
+<p:sld xmlns:a="http://schemas.openxmlformats.org/drawingml/2006/main" xmlns:r="http://schemas.openxmlformats.org/officeDocument/2006/relationships" xmlns:p="http://schemas.openxmlformats.org/presentationml/2006/main">
+  <p:cSld>
+    <p:spTree>
+      <p:nvGrpSpPr>
+        <p:cNvPr id="1" name=""/>
+        <p:cNvGrpSpPr/>
+        <p:nvPr/>
+      </p:nvGrpSpPr>
+      <p:grpSpPr>
+        <a:xfrm>
+          <a:off x="0" y="0"/>
+          <a:ext cx="0" cy="0"/>
+          <a:chOff x="0" y="0"/>
+          <a:chExt cx="0" cy="0"/>
+        </a:xfrm>
+      </p:grpSpPr>
+      <p:sp>
+        <p:nvSpPr>
+          <p:cNvPr id="4" name="TextBox 3"/>
+          <p:cNvSpPr txBox="1"/>
+          <p:nvPr/>
+        </p:nvSpPr>
+        <p:spPr>
+          <a:xfrm>
+            <a:off x="2428860" y="285728"/>
+            <a:ext cx="5048178" cy="769441"/>
+          </a:xfrm>
+          <a:prstGeom prst="rect">
+            <a:avLst/>
+          </a:prstGeom>
+          <a:noFill/>
+        </p:spPr>
+        <p:txBody>
+          <a:bodyPr wrap="none" rtlCol="0">
+            <a:spAutoFit/>
+          </a:bodyPr>
+          <a:lstStyle/>
+          <a:p>
+            <a:pPr algn="ctr"/>
+            <a:r>
+              <a:rPr lang="ru-RU" sz="4400" dirty="0" smtClean="0">
+                <a:solidFill>
+                  <a:schemeClr val="bg1"/>
+                </a:solidFill>
+                <a:latin typeface="Tahoma" pitchFamily="34" charset="0"/>
+                <a:ea typeface="Tahoma" pitchFamily="34" charset="0"/>
+                <a:cs typeface="Tahoma" pitchFamily="34" charset="0"/>
+              </a:rPr>
+              <a:t>Особенности игры</a:t>
+            </a:r>
+            <a:endParaRPr lang="ru-RU" sz="4400" dirty="0">
+              <a:solidFill>
+                <a:schemeClr val="bg1"/>
+              </a:solidFill>
+              <a:latin typeface="Tahoma" pitchFamily="34" charset="0"/>
+              <a:ea typeface="Tahoma" pitchFamily="34" charset="0"/>
+              <a:cs typeface="Tahoma" pitchFamily="34" charset="0"/>
+            </a:endParaRPr>
+          </a:p>
+        </p:txBody>
+      </p:sp>
+      <p:sp>
+        <p:nvSpPr>
+          <p:cNvPr id="6" name="Прямоугольник 5"/>
+          <p:cNvSpPr/>
+          <p:nvPr/>
+        </p:nvSpPr>
+        <p:spPr>
+          <a:xfrm>
+            <a:off x="2500298" y="5000636"/>
+            <a:ext cx="4572000" cy="677108"/>
+          </a:xfrm>
+          <a:prstGeom prst="rect">
+            <a:avLst/>
+          </a:prstGeom>
+        </p:spPr>
+        <p:txBody>
+          <a:bodyPr>
+            <a:spAutoFit/>
+          </a:bodyPr>
+          <a:lstStyle/>
+          <a:p>
+            <a:pPr algn="ctr"/>
+            <a:r>
+              <a:rPr lang="ru-RU" sz="2000" dirty="0" smtClean="0">
+                <a:solidFill>
+                  <a:schemeClr val="bg1"/>
+                </a:solidFill>
+                <a:latin typeface="Tahoma" pitchFamily="34" charset="0"/>
+                <a:ea typeface="Tahoma" pitchFamily="34" charset="0"/>
+                <a:cs typeface="Tahoma" pitchFamily="34" charset="0"/>
+              </a:rPr>
+              <a:t>Эффект Объемности.</a:t>
+            </a:r>
+            <a:r>
+              <a:rPr lang="ru-RU" dirty="0" smtClean="0">
+                <a:solidFill>
+                  <a:schemeClr val="bg1"/>
+                </a:solidFill>
+                <a:latin typeface="Tahoma" pitchFamily="34" charset="0"/>
+                <a:ea typeface="Tahoma" pitchFamily="34" charset="0"/>
+                <a:cs typeface="Tahoma" pitchFamily="34" charset="0"/>
+              </a:rPr>
+              <a:t/>
+            </a:r>
+            <a:br>
+              <a:rPr lang="ru-RU" dirty="0" smtClean="0">
+                <a:solidFill>
+                  <a:schemeClr val="bg1"/>
+                </a:solidFill>
+                <a:latin typeface="Tahoma" pitchFamily="34" charset="0"/>
+                <a:ea typeface="Tahoma" pitchFamily="34" charset="0"/>
+                <a:cs typeface="Tahoma" pitchFamily="34" charset="0"/>
+              </a:rPr>
+            </a:br>
+            <a:r>
+              <a:rPr lang="ru-RU" dirty="0" smtClean="0">
+                <a:solidFill>
+                  <a:schemeClr val="tx1">
+                    <a:lumMod val="50000"/>
+                    <a:lumOff val="50000"/>
+                  </a:schemeClr>
+                </a:solidFill>
+                <a:latin typeface="Tahoma" pitchFamily="34" charset="0"/>
+                <a:ea typeface="Tahoma" pitchFamily="34" charset="0"/>
+                <a:cs typeface="Tahoma" pitchFamily="34" charset="0"/>
+              </a:rPr>
+              <a:t>(герой как бы стоит за камнем)</a:t>
+            </a:r>
+            <a:endParaRPr lang="ru-RU" dirty="0" smtClean="0">
+              <a:solidFill>
+                <a:schemeClr val="tx1">
+                  <a:lumMod val="50000"/>
+                  <a:lumOff val="50000"/>
+                </a:schemeClr>
+              </a:solidFill>
+              <a:latin typeface="Tahoma" pitchFamily="34" charset="0"/>
+              <a:ea typeface="Tahoma" pitchFamily="34" charset="0"/>
+              <a:cs typeface="Tahoma" pitchFamily="34" charset="0"/>
+            </a:endParaRPr>
+          </a:p>
+        </p:txBody>
+      </p:sp>
+      <p:pic>
+        <p:nvPicPr>
+          <p:cNvPr id="1026" name="Picture 2"/>
+          <p:cNvPicPr>
+            <a:picLocks noChangeAspect="1" noChangeArrowheads="1"/>
+          </p:cNvPicPr>
+          <p:nvPr/>
+        </p:nvPicPr>
+        <p:blipFill>
+          <a:blip r:embed="rId2"/>
+          <a:srcRect/>
+          <a:stretch>
+            <a:fillRect/>
+          </a:stretch>
+        </p:blipFill>
+        <p:spPr bwMode="auto">
+          <a:xfrm>
+            <a:off x="1714480" y="1285860"/>
+            <a:ext cx="6000792" cy="3348390"/>
+          </a:xfrm>
+          <a:prstGeom prst="rect">
+            <a:avLst/>
+          </a:prstGeom>
+          <a:noFill/>
+          <a:ln w="9525">
+            <a:noFill/>
+            <a:miter lim="800000"/>
+            <a:headEnd/>
+            <a:tailEnd/>
+          </a:ln>
+          <a:effectLst/>
+        </p:spPr>
+      </p:pic>
+    </p:spTree>
+    <p:extLst>
+      <p:ext uri="{BB962C8B-B14F-4D97-AF65-F5344CB8AC3E}">
+        <p14:creationId xmlns:p14="http://schemas.microsoft.com/office/powerpoint/2010/main" xmlns="" val="1371460448"/>
+      </p:ext>
+    </p:extLst>
+  </p:cSld>
+  <p:clrMapOvr>
+    <a:masterClrMapping/>
+  </p:clrMapOvr>
+  <p:timing>
+    <p:tnLst>
+      <p:par>
+        <p:cTn id="1" dur="indefinite" restart="never" nodeType="tmRoot"/>
+      </p:par>
+    </p:tnLst>
+  </p:timing>
+</p:sld>
+</file>
+
+<file path=ppt/slides/slide13.xml><?xml version="1.0" encoding="utf-8"?>
+<p:sld xmlns:a="http://schemas.openxmlformats.org/drawingml/2006/main" xmlns:r="http://schemas.openxmlformats.org/officeDocument/2006/relationships" xmlns:p="http://schemas.openxmlformats.org/presentationml/2006/main">
+  <p:cSld>
+    <p:spTree>
+      <p:nvGrpSpPr>
+        <p:cNvPr id="1" name=""/>
+        <p:cNvGrpSpPr/>
+        <p:nvPr/>
+      </p:nvGrpSpPr>
+      <p:grpSpPr>
+        <a:xfrm>
+          <a:off x="0" y="0"/>
+          <a:ext cx="0" cy="0"/>
+          <a:chOff x="0" y="0"/>
+          <a:chExt cx="0" cy="0"/>
+        </a:xfrm>
+      </p:grpSpPr>
+      <p:sp>
+        <p:nvSpPr>
+          <p:cNvPr id="4" name="TextBox 3"/>
+          <p:cNvSpPr txBox="1"/>
+          <p:nvPr/>
+        </p:nvSpPr>
+        <p:spPr>
+          <a:xfrm>
+            <a:off x="2428860" y="285728"/>
+            <a:ext cx="5048178" cy="769441"/>
+          </a:xfrm>
+          <a:prstGeom prst="rect">
+            <a:avLst/>
+          </a:prstGeom>
+          <a:noFill/>
+        </p:spPr>
+        <p:txBody>
+          <a:bodyPr wrap="none" rtlCol="0">
+            <a:spAutoFit/>
+          </a:bodyPr>
+          <a:lstStyle/>
+          <a:p>
+            <a:pPr algn="ctr"/>
+            <a:r>
+              <a:rPr lang="ru-RU" sz="4400" dirty="0" smtClean="0">
+                <a:solidFill>
+                  <a:schemeClr val="bg1"/>
+                </a:solidFill>
+                <a:latin typeface="Tahoma" pitchFamily="34" charset="0"/>
+                <a:ea typeface="Tahoma" pitchFamily="34" charset="0"/>
+                <a:cs typeface="Tahoma" pitchFamily="34" charset="0"/>
+              </a:rPr>
+              <a:t>Особенности игры</a:t>
+            </a:r>
+            <a:endParaRPr lang="ru-RU" sz="4400" dirty="0">
+              <a:solidFill>
+                <a:schemeClr val="bg1"/>
+              </a:solidFill>
+              <a:latin typeface="Tahoma" pitchFamily="34" charset="0"/>
+              <a:ea typeface="Tahoma" pitchFamily="34" charset="0"/>
+              <a:cs typeface="Tahoma" pitchFamily="34" charset="0"/>
+            </a:endParaRPr>
+          </a:p>
+        </p:txBody>
+      </p:sp>
+      <p:sp>
+        <p:nvSpPr>
+          <p:cNvPr id="6" name="Прямоугольник 5"/>
+          <p:cNvSpPr/>
+          <p:nvPr/>
+        </p:nvSpPr>
+        <p:spPr>
+          <a:xfrm>
+            <a:off x="2500298" y="5000636"/>
+            <a:ext cx="4572000" cy="677108"/>
+          </a:xfrm>
+          <a:prstGeom prst="rect">
+            <a:avLst/>
+          </a:prstGeom>
+        </p:spPr>
+        <p:txBody>
+          <a:bodyPr>
+            <a:spAutoFit/>
+          </a:bodyPr>
+          <a:lstStyle/>
+          <a:p>
+            <a:pPr algn="ctr"/>
+            <a:r>
+              <a:rPr lang="ru-RU" sz="2000" dirty="0" smtClean="0">
+                <a:solidFill>
+                  <a:schemeClr val="bg1"/>
+                </a:solidFill>
+                <a:latin typeface="Tahoma" pitchFamily="34" charset="0"/>
+                <a:ea typeface="Tahoma" pitchFamily="34" charset="0"/>
+                <a:cs typeface="Tahoma" pitchFamily="34" charset="0"/>
+              </a:rPr>
+              <a:t>У животных есть страхи.</a:t>
+            </a:r>
+            <a:r>
+              <a:rPr lang="ru-RU" dirty="0" smtClean="0">
+                <a:solidFill>
+                  <a:schemeClr val="bg1"/>
+                </a:solidFill>
+                <a:latin typeface="Tahoma" pitchFamily="34" charset="0"/>
+                <a:ea typeface="Tahoma" pitchFamily="34" charset="0"/>
+                <a:cs typeface="Tahoma" pitchFamily="34" charset="0"/>
+              </a:rPr>
+              <a:t/>
+            </a:r>
+            <a:br>
+              <a:rPr lang="ru-RU" dirty="0" smtClean="0">
+                <a:solidFill>
+                  <a:schemeClr val="bg1"/>
+                </a:solidFill>
+                <a:latin typeface="Tahoma" pitchFamily="34" charset="0"/>
+                <a:ea typeface="Tahoma" pitchFamily="34" charset="0"/>
+                <a:cs typeface="Tahoma" pitchFamily="34" charset="0"/>
+              </a:rPr>
+            </a:br>
+            <a:r>
+              <a:rPr lang="ru-RU" dirty="0" smtClean="0">
+                <a:solidFill>
+                  <a:schemeClr val="tx1">
+                    <a:lumMod val="50000"/>
+                    <a:lumOff val="50000"/>
+                  </a:schemeClr>
+                </a:solidFill>
+                <a:latin typeface="Tahoma" pitchFamily="34" charset="0"/>
+                <a:ea typeface="Tahoma" pitchFamily="34" charset="0"/>
+                <a:cs typeface="Tahoma" pitchFamily="34" charset="0"/>
+              </a:rPr>
+              <a:t>(когда им больно они убегают от вас)</a:t>
+            </a:r>
+            <a:endParaRPr lang="ru-RU" dirty="0" smtClean="0">
+              <a:solidFill>
+                <a:schemeClr val="tx1">
+                  <a:lumMod val="50000"/>
+                  <a:lumOff val="50000"/>
+                </a:schemeClr>
+              </a:solidFill>
+              <a:latin typeface="Tahoma" pitchFamily="34" charset="0"/>
+              <a:ea typeface="Tahoma" pitchFamily="34" charset="0"/>
+              <a:cs typeface="Tahoma" pitchFamily="34" charset="0"/>
+            </a:endParaRPr>
+          </a:p>
+        </p:txBody>
+      </p:sp>
+      <p:pic>
+        <p:nvPicPr>
+          <p:cNvPr id="2050" name="Picture 2"/>
+          <p:cNvPicPr>
+            <a:picLocks noChangeAspect="1" noChangeArrowheads="1"/>
+          </p:cNvPicPr>
+          <p:nvPr/>
+        </p:nvPicPr>
+        <p:blipFill>
+          <a:blip r:embed="rId2"/>
+          <a:srcRect/>
+          <a:stretch>
+            <a:fillRect/>
+          </a:stretch>
+        </p:blipFill>
+        <p:spPr bwMode="auto">
+          <a:xfrm>
+            <a:off x="2571736" y="1357298"/>
+            <a:ext cx="4429156" cy="3214710"/>
+          </a:xfrm>
+          <a:prstGeom prst="rect">
+            <a:avLst/>
+          </a:prstGeom>
+          <a:noFill/>
+          <a:ln w="9525">
+            <a:noFill/>
+            <a:miter lim="800000"/>
+            <a:headEnd/>
+            <a:tailEnd/>
+          </a:ln>
+          <a:effectLst/>
+        </p:spPr>
+      </p:pic>
+    </p:spTree>
+    <p:extLst>
+      <p:ext uri="{BB962C8B-B14F-4D97-AF65-F5344CB8AC3E}">
+        <p14:creationId xmlns:p14="http://schemas.microsoft.com/office/powerpoint/2010/main" xmlns="" val="1371460448"/>
+      </p:ext>
+    </p:extLst>
+  </p:cSld>
+  <p:clrMapOvr>
+    <a:masterClrMapping/>
+  </p:clrMapOvr>
+  <p:timing>
+    <p:tnLst>
+      <p:par>
+        <p:cTn id="1" dur="indefinite" restart="never" nodeType="tmRoot"/>
+      </p:par>
+    </p:tnLst>
+  </p:timing>
+</p:sld>
+</file>
+
+<file path=ppt/slides/slide14.xml><?xml version="1.0" encoding="utf-8"?>
+<p:sld xmlns:a="http://schemas.openxmlformats.org/drawingml/2006/main" xmlns:r="http://schemas.openxmlformats.org/officeDocument/2006/relationships" xmlns:p="http://schemas.openxmlformats.org/presentationml/2006/main">
+  <p:cSld>
+    <p:spTree>
+      <p:nvGrpSpPr>
+        <p:cNvPr id="1" name=""/>
+        <p:cNvGrpSpPr/>
+        <p:nvPr/>
+      </p:nvGrpSpPr>
+      <p:grpSpPr>
+        <a:xfrm>
+          <a:off x="0" y="0"/>
+          <a:ext cx="0" cy="0"/>
+          <a:chOff x="0" y="0"/>
+          <a:chExt cx="0" cy="0"/>
+        </a:xfrm>
+      </p:grpSpPr>
+      <p:sp>
+        <p:nvSpPr>
+          <p:cNvPr id="4" name="TextBox 3"/>
+          <p:cNvSpPr txBox="1"/>
+          <p:nvPr/>
+        </p:nvSpPr>
+        <p:spPr>
+          <a:xfrm>
+            <a:off x="2428860" y="285728"/>
+            <a:ext cx="5048178" cy="769441"/>
+          </a:xfrm>
+          <a:prstGeom prst="rect">
+            <a:avLst/>
+          </a:prstGeom>
+          <a:noFill/>
+        </p:spPr>
+        <p:txBody>
+          <a:bodyPr wrap="none" rtlCol="0">
+            <a:spAutoFit/>
+          </a:bodyPr>
+          <a:lstStyle/>
+          <a:p>
+            <a:pPr algn="ctr"/>
+            <a:r>
+              <a:rPr lang="ru-RU" sz="4400" dirty="0" smtClean="0">
+                <a:solidFill>
+                  <a:schemeClr val="bg1"/>
+                </a:solidFill>
+                <a:latin typeface="Tahoma" pitchFamily="34" charset="0"/>
+                <a:ea typeface="Tahoma" pitchFamily="34" charset="0"/>
+                <a:cs typeface="Tahoma" pitchFamily="34" charset="0"/>
+              </a:rPr>
+              <a:t>Особенности игры</a:t>
+            </a:r>
+            <a:endParaRPr lang="ru-RU" sz="4400" dirty="0">
+              <a:solidFill>
+                <a:schemeClr val="bg1"/>
+              </a:solidFill>
+              <a:latin typeface="Tahoma" pitchFamily="34" charset="0"/>
+              <a:ea typeface="Tahoma" pitchFamily="34" charset="0"/>
+              <a:cs typeface="Tahoma" pitchFamily="34" charset="0"/>
+            </a:endParaRPr>
+          </a:p>
+        </p:txBody>
+      </p:sp>
+      <p:sp>
+        <p:nvSpPr>
+          <p:cNvPr id="6" name="Прямоугольник 5"/>
+          <p:cNvSpPr/>
+          <p:nvPr/>
+        </p:nvSpPr>
+        <p:spPr>
+          <a:xfrm>
+            <a:off x="2214546" y="5000636"/>
+            <a:ext cx="4857752" cy="707886"/>
+          </a:xfrm>
+          <a:prstGeom prst="rect">
+            <a:avLst/>
+          </a:prstGeom>
+        </p:spPr>
+        <p:txBody>
+          <a:bodyPr wrap="square">
+            <a:spAutoFit/>
+          </a:bodyPr>
+          <a:lstStyle/>
+          <a:p>
+            <a:pPr algn="ctr"/>
+            <a:r>
+              <a:rPr lang="ru-RU" sz="2000" dirty="0" smtClean="0">
+                <a:solidFill>
+                  <a:schemeClr val="bg1"/>
+                </a:solidFill>
+                <a:latin typeface="Tahoma" pitchFamily="34" charset="0"/>
+                <a:ea typeface="Tahoma" pitchFamily="34" charset="0"/>
+                <a:cs typeface="Tahoma" pitchFamily="34" charset="0"/>
+              </a:rPr>
+              <a:t>Результаты прохождения шифруются.</a:t>
+            </a:r>
+          </a:p>
+          <a:p>
+            <a:pPr algn="ctr"/>
+            <a:r>
+              <a:rPr lang="ru-RU" sz="2000" dirty="0" smtClean="0">
+                <a:solidFill>
+                  <a:schemeClr val="tx1">
+                    <a:lumMod val="50000"/>
+                    <a:lumOff val="50000"/>
+                  </a:schemeClr>
+                </a:solidFill>
+                <a:latin typeface="Tahoma" pitchFamily="34" charset="0"/>
+                <a:ea typeface="Tahoma" pitchFamily="34" charset="0"/>
+                <a:cs typeface="Tahoma" pitchFamily="34" charset="0"/>
+              </a:rPr>
+              <a:t>(защита просто 11</a:t>
+            </a:r>
+            <a:r>
+              <a:rPr lang="en-US" sz="2000" dirty="0" smtClean="0">
+                <a:solidFill>
+                  <a:schemeClr val="tx1">
+                    <a:lumMod val="50000"/>
+                    <a:lumOff val="50000"/>
+                  </a:schemeClr>
+                </a:solidFill>
+                <a:latin typeface="Tahoma" pitchFamily="34" charset="0"/>
+                <a:ea typeface="Tahoma" pitchFamily="34" charset="0"/>
+                <a:cs typeface="Tahoma" pitchFamily="34" charset="0"/>
+              </a:rPr>
+              <a:t>/10)</a:t>
+            </a:r>
+            <a:endParaRPr lang="ru-RU" dirty="0" smtClean="0">
+              <a:solidFill>
+                <a:schemeClr val="tx1">
+                  <a:lumMod val="50000"/>
+                  <a:lumOff val="50000"/>
+                </a:schemeClr>
+              </a:solidFill>
+              <a:latin typeface="Tahoma" pitchFamily="34" charset="0"/>
+              <a:ea typeface="Tahoma" pitchFamily="34" charset="0"/>
+              <a:cs typeface="Tahoma" pitchFamily="34" charset="0"/>
+            </a:endParaRPr>
+          </a:p>
+        </p:txBody>
+      </p:sp>
+      <p:pic>
+        <p:nvPicPr>
+          <p:cNvPr id="3074" name="Picture 2"/>
+          <p:cNvPicPr>
+            <a:picLocks noChangeAspect="1" noChangeArrowheads="1"/>
+          </p:cNvPicPr>
+          <p:nvPr/>
+        </p:nvPicPr>
+        <p:blipFill>
+          <a:blip r:embed="rId2"/>
+          <a:srcRect/>
+          <a:stretch>
+            <a:fillRect/>
+          </a:stretch>
+        </p:blipFill>
+        <p:spPr bwMode="auto">
+          <a:xfrm>
+            <a:off x="0" y="1071546"/>
+            <a:ext cx="5143536" cy="3811915"/>
+          </a:xfrm>
+          <a:prstGeom prst="rect">
+            <a:avLst/>
+          </a:prstGeom>
+          <a:noFill/>
+          <a:ln w="9525">
+            <a:solidFill>
+              <a:schemeClr val="bg1"/>
+            </a:solidFill>
+            <a:miter lim="800000"/>
+            <a:headEnd/>
+            <a:tailEnd/>
+          </a:ln>
+          <a:effectLst/>
+        </p:spPr>
+      </p:pic>
+      <p:pic>
+        <p:nvPicPr>
+          <p:cNvPr id="3075" name="Picture 3"/>
+          <p:cNvPicPr>
+            <a:picLocks noChangeAspect="1" noChangeArrowheads="1"/>
+          </p:cNvPicPr>
+          <p:nvPr/>
+        </p:nvPicPr>
+        <p:blipFill>
+          <a:blip r:embed="rId3"/>
+          <a:srcRect/>
+          <a:stretch>
+            <a:fillRect/>
+          </a:stretch>
+        </p:blipFill>
+        <p:spPr bwMode="auto">
+          <a:xfrm>
+            <a:off x="5143504" y="1071546"/>
+            <a:ext cx="4000496" cy="3786214"/>
+          </a:xfrm>
+          <a:prstGeom prst="rect">
+            <a:avLst/>
+          </a:prstGeom>
+          <a:noFill/>
+          <a:ln w="9525">
+            <a:noFill/>
+            <a:miter lim="800000"/>
+            <a:headEnd/>
+            <a:tailEnd/>
+          </a:ln>
+          <a:effectLst/>
+        </p:spPr>
+      </p:pic>
+    </p:spTree>
+    <p:extLst>
+      <p:ext uri="{BB962C8B-B14F-4D97-AF65-F5344CB8AC3E}">
+        <p14:creationId xmlns:p14="http://schemas.microsoft.com/office/powerpoint/2010/main" xmlns="" val="1371460448"/>
+      </p:ext>
+    </p:extLst>
+  </p:cSld>
+  <p:clrMapOvr>
+    <a:masterClrMapping/>
+  </p:clrMapOvr>
+  <p:timing>
+    <p:tnLst>
+      <p:par>
+        <p:cTn id="1" dur="indefinite" restart="never" nodeType="tmRoot"/>
+      </p:par>
+    </p:tnLst>
+  </p:timing>
+</p:sld>
+</file>
+
+<file path=ppt/slides/slide15.xml><?xml version="1.0" encoding="utf-8"?>
+<p:sld xmlns:a="http://schemas.openxmlformats.org/drawingml/2006/main" xmlns:r="http://schemas.openxmlformats.org/officeDocument/2006/relationships" xmlns:p="http://schemas.openxmlformats.org/presentationml/2006/main">
+  <p:cSld>
+    <p:spTree>
+      <p:nvGrpSpPr>
+        <p:cNvPr id="1" name=""/>
+        <p:cNvGrpSpPr/>
+        <p:nvPr/>
+      </p:nvGrpSpPr>
+      <p:grpSpPr>
+        <a:xfrm>
+          <a:off x="0" y="0"/>
+          <a:ext cx="0" cy="0"/>
+          <a:chOff x="0" y="0"/>
+          <a:chExt cx="0" cy="0"/>
+        </a:xfrm>
+      </p:grpSpPr>
+      <p:sp>
+        <p:nvSpPr>
+          <p:cNvPr id="4" name="TextBox 3"/>
+          <p:cNvSpPr txBox="1"/>
+          <p:nvPr/>
+        </p:nvSpPr>
+        <p:spPr>
+          <a:xfrm>
+            <a:off x="2428860" y="285728"/>
+            <a:ext cx="5048178" cy="769441"/>
+          </a:xfrm>
+          <a:prstGeom prst="rect">
+            <a:avLst/>
+          </a:prstGeom>
+          <a:noFill/>
+        </p:spPr>
+        <p:txBody>
+          <a:bodyPr wrap="none" rtlCol="0">
+            <a:spAutoFit/>
+          </a:bodyPr>
+          <a:lstStyle/>
+          <a:p>
+            <a:pPr algn="ctr"/>
+            <a:r>
+              <a:rPr lang="ru-RU" sz="4400" dirty="0" smtClean="0">
+                <a:solidFill>
+                  <a:schemeClr val="bg1"/>
+                </a:solidFill>
+                <a:latin typeface="Tahoma" pitchFamily="34" charset="0"/>
+                <a:ea typeface="Tahoma" pitchFamily="34" charset="0"/>
+                <a:cs typeface="Tahoma" pitchFamily="34" charset="0"/>
+              </a:rPr>
+              <a:t>Особенности игры</a:t>
+            </a:r>
+            <a:endParaRPr lang="ru-RU" sz="4400" dirty="0">
+              <a:solidFill>
+                <a:schemeClr val="bg1"/>
+              </a:solidFill>
+              <a:latin typeface="Tahoma" pitchFamily="34" charset="0"/>
+              <a:ea typeface="Tahoma" pitchFamily="34" charset="0"/>
+              <a:cs typeface="Tahoma" pitchFamily="34" charset="0"/>
+            </a:endParaRPr>
+          </a:p>
+        </p:txBody>
+      </p:sp>
+      <p:sp>
+        <p:nvSpPr>
+          <p:cNvPr id="6" name="Прямоугольник 5"/>
+          <p:cNvSpPr/>
+          <p:nvPr/>
+        </p:nvSpPr>
+        <p:spPr>
+          <a:xfrm>
+            <a:off x="2214546" y="5000636"/>
+            <a:ext cx="4857752" cy="1138773"/>
+          </a:xfrm>
+          <a:prstGeom prst="rect">
+            <a:avLst/>
+          </a:prstGeom>
+        </p:spPr>
+        <p:txBody>
+          <a:bodyPr wrap="square">
+            <a:spAutoFit/>
+          </a:bodyPr>
+          <a:lstStyle/>
+          <a:p>
+            <a:pPr algn="ctr"/>
+            <a:r>
+              <a:rPr lang="ru-RU" sz="2400" dirty="0" smtClean="0">
+                <a:solidFill>
+                  <a:schemeClr val="bg1"/>
+                </a:solidFill>
+                <a:latin typeface="Tahoma" pitchFamily="34" charset="0"/>
+                <a:ea typeface="Tahoma" pitchFamily="34" charset="0"/>
+                <a:cs typeface="Tahoma" pitchFamily="34" charset="0"/>
+              </a:rPr>
+              <a:t>Окно игры можно расширять без потери размеров!</a:t>
+            </a:r>
+            <a:r>
+              <a:rPr lang="ru-RU" sz="2000" dirty="0" smtClean="0">
+                <a:solidFill>
+                  <a:schemeClr val="bg1"/>
+                </a:solidFill>
+                <a:latin typeface="Tahoma" pitchFamily="34" charset="0"/>
+                <a:ea typeface="Tahoma" pitchFamily="34" charset="0"/>
+                <a:cs typeface="Tahoma" pitchFamily="34" charset="0"/>
+              </a:rPr>
+              <a:t/>
+            </a:r>
+            <a:br>
+              <a:rPr lang="ru-RU" sz="2000" dirty="0" smtClean="0">
+                <a:solidFill>
+                  <a:schemeClr val="bg1"/>
+                </a:solidFill>
+                <a:latin typeface="Tahoma" pitchFamily="34" charset="0"/>
+                <a:ea typeface="Tahoma" pitchFamily="34" charset="0"/>
+                <a:cs typeface="Tahoma" pitchFamily="34" charset="0"/>
+              </a:rPr>
+            </a:br>
+            <a:r>
+              <a:rPr lang="ru-RU" sz="2000" dirty="0" smtClean="0">
+                <a:solidFill>
+                  <a:schemeClr val="tx1">
+                    <a:lumMod val="50000"/>
+                    <a:lumOff val="50000"/>
+                  </a:schemeClr>
+                </a:solidFill>
+                <a:latin typeface="Tahoma" pitchFamily="34" charset="0"/>
+                <a:ea typeface="Tahoma" pitchFamily="34" charset="0"/>
+                <a:cs typeface="Tahoma" pitchFamily="34" charset="0"/>
+              </a:rPr>
+              <a:t>(минимальный размер: 640х512)</a:t>
+            </a:r>
+            <a:endParaRPr lang="ru-RU" dirty="0" smtClean="0">
+              <a:solidFill>
+                <a:schemeClr val="tx1">
+                  <a:lumMod val="50000"/>
+                  <a:lumOff val="50000"/>
+                </a:schemeClr>
+              </a:solidFill>
+              <a:latin typeface="Tahoma" pitchFamily="34" charset="0"/>
+              <a:ea typeface="Tahoma" pitchFamily="34" charset="0"/>
+              <a:cs typeface="Tahoma" pitchFamily="34" charset="0"/>
+            </a:endParaRPr>
+          </a:p>
+        </p:txBody>
+      </p:sp>
+      <p:pic>
+        <p:nvPicPr>
+          <p:cNvPr id="4098" name="Picture 2"/>
+          <p:cNvPicPr>
+            <a:picLocks noChangeAspect="1" noChangeArrowheads="1"/>
+          </p:cNvPicPr>
+          <p:nvPr/>
+        </p:nvPicPr>
+        <p:blipFill>
+          <a:blip r:embed="rId2"/>
+          <a:srcRect/>
+          <a:stretch>
+            <a:fillRect/>
+          </a:stretch>
+        </p:blipFill>
+        <p:spPr bwMode="auto">
+          <a:xfrm>
+            <a:off x="1714480" y="2071678"/>
+            <a:ext cx="2428892" cy="2044499"/>
+          </a:xfrm>
+          <a:prstGeom prst="rect">
+            <a:avLst/>
+          </a:prstGeom>
+          <a:noFill/>
+          <a:ln w="9525">
+            <a:noFill/>
+            <a:miter lim="800000"/>
+            <a:headEnd/>
+            <a:tailEnd/>
+          </a:ln>
+          <a:effectLst/>
+        </p:spPr>
+      </p:pic>
+      <p:pic>
+        <p:nvPicPr>
+          <p:cNvPr id="4099" name="Picture 3"/>
+          <p:cNvPicPr>
+            <a:picLocks noChangeAspect="1" noChangeArrowheads="1"/>
+          </p:cNvPicPr>
+          <p:nvPr/>
+        </p:nvPicPr>
+        <p:blipFill>
+          <a:blip r:embed="rId3"/>
+          <a:srcRect/>
+          <a:stretch>
+            <a:fillRect/>
+          </a:stretch>
+        </p:blipFill>
+        <p:spPr bwMode="auto">
+          <a:xfrm>
+            <a:off x="4286248" y="1714488"/>
+            <a:ext cx="3857652" cy="2566175"/>
+          </a:xfrm>
+          <a:prstGeom prst="rect">
+            <a:avLst/>
+          </a:prstGeom>
+          <a:noFill/>
+          <a:ln w="9525">
+            <a:noFill/>
+            <a:miter lim="800000"/>
+            <a:headEnd/>
+            <a:tailEnd/>
+          </a:ln>
+          <a:effectLst/>
+        </p:spPr>
+      </p:pic>
+    </p:spTree>
+    <p:extLst>
+      <p:ext uri="{BB962C8B-B14F-4D97-AF65-F5344CB8AC3E}">
+        <p14:creationId xmlns:p14="http://schemas.microsoft.com/office/powerpoint/2010/main" xmlns="" val="1371460448"/>
+      </p:ext>
+    </p:extLst>
+  </p:cSld>
+  <p:clrMapOvr>
+    <a:masterClrMapping/>
+  </p:clrMapOvr>
+  <p:timing>
+    <p:tnLst>
+      <p:par>
+        <p:cTn id="1" dur="indefinite" restart="never" nodeType="tmRoot"/>
+      </p:par>
+    </p:tnLst>
+  </p:timing>
+</p:sld>
+</file>
+
+<file path=ppt/slides/slide16.xml><?xml version="1.0" encoding="utf-8"?>
+<p:sld xmlns:a="http://schemas.openxmlformats.org/drawingml/2006/main" xmlns:r="http://schemas.openxmlformats.org/officeDocument/2006/relationships" xmlns:p="http://schemas.openxmlformats.org/presentationml/2006/main">
+  <p:cSld>
+    <p:spTree>
+      <p:nvGrpSpPr>
+        <p:cNvPr id="1" name=""/>
+        <p:cNvGrpSpPr/>
+        <p:nvPr/>
+      </p:nvGrpSpPr>
+      <p:grpSpPr>
+        <a:xfrm>
+          <a:off x="0" y="0"/>
+          <a:ext cx="0" cy="0"/>
+          <a:chOff x="0" y="0"/>
+          <a:chExt cx="0" cy="0"/>
+        </a:xfrm>
+      </p:grpSpPr>
+      <p:sp>
+        <p:nvSpPr>
+          <p:cNvPr id="4" name="TextBox 3"/>
+          <p:cNvSpPr txBox="1"/>
+          <p:nvPr/>
+        </p:nvSpPr>
+        <p:spPr>
+          <a:xfrm>
+            <a:off x="2428860" y="285728"/>
+            <a:ext cx="5048178" cy="769441"/>
+          </a:xfrm>
+          <a:prstGeom prst="rect">
+            <a:avLst/>
+          </a:prstGeom>
+          <a:noFill/>
+        </p:spPr>
+        <p:txBody>
+          <a:bodyPr wrap="none" rtlCol="0">
+            <a:spAutoFit/>
+          </a:bodyPr>
+          <a:lstStyle/>
+          <a:p>
+            <a:pPr algn="ctr"/>
+            <a:r>
+              <a:rPr lang="ru-RU" sz="4400" dirty="0" smtClean="0">
+                <a:solidFill>
+                  <a:schemeClr val="bg1"/>
+                </a:solidFill>
+                <a:latin typeface="Tahoma" pitchFamily="34" charset="0"/>
+                <a:ea typeface="Tahoma" pitchFamily="34" charset="0"/>
+                <a:cs typeface="Tahoma" pitchFamily="34" charset="0"/>
+              </a:rPr>
+              <a:t>Особенности игры</a:t>
+            </a:r>
+            <a:endParaRPr lang="ru-RU" sz="4400" dirty="0">
+              <a:solidFill>
+                <a:schemeClr val="bg1"/>
+              </a:solidFill>
+              <a:latin typeface="Tahoma" pitchFamily="34" charset="0"/>
+              <a:ea typeface="Tahoma" pitchFamily="34" charset="0"/>
+              <a:cs typeface="Tahoma" pitchFamily="34" charset="0"/>
+            </a:endParaRPr>
+          </a:p>
+        </p:txBody>
+      </p:sp>
+      <p:sp>
+        <p:nvSpPr>
+          <p:cNvPr id="6" name="Прямоугольник 5"/>
+          <p:cNvSpPr/>
+          <p:nvPr/>
+        </p:nvSpPr>
+        <p:spPr>
+          <a:xfrm>
+            <a:off x="2214546" y="5000636"/>
+            <a:ext cx="4857752" cy="1446550"/>
+          </a:xfrm>
+          <a:prstGeom prst="rect">
+            <a:avLst/>
+          </a:prstGeom>
+        </p:spPr>
+        <p:txBody>
+          <a:bodyPr wrap="square">
+            <a:spAutoFit/>
+          </a:bodyPr>
+          <a:lstStyle/>
+          <a:p>
+            <a:pPr algn="ctr"/>
+            <a:r>
+              <a:rPr lang="ru-RU" sz="2400" dirty="0" smtClean="0">
+                <a:solidFill>
+                  <a:schemeClr val="bg1"/>
+                </a:solidFill>
+                <a:latin typeface="Tahoma" pitchFamily="34" charset="0"/>
+                <a:ea typeface="Tahoma" pitchFamily="34" charset="0"/>
+                <a:cs typeface="Tahoma" pitchFamily="34" charset="0"/>
+              </a:rPr>
+              <a:t>Окно игры можно расширять без потери размеров!</a:t>
+            </a:r>
+            <a:r>
+              <a:rPr lang="ru-RU" sz="2000" dirty="0" smtClean="0">
+                <a:solidFill>
+                  <a:schemeClr val="bg1"/>
+                </a:solidFill>
+                <a:latin typeface="Tahoma" pitchFamily="34" charset="0"/>
+                <a:ea typeface="Tahoma" pitchFamily="34" charset="0"/>
+                <a:cs typeface="Tahoma" pitchFamily="34" charset="0"/>
+              </a:rPr>
+              <a:t/>
+            </a:r>
+            <a:br>
+              <a:rPr lang="ru-RU" sz="2000" dirty="0" smtClean="0">
+                <a:solidFill>
+                  <a:schemeClr val="bg1"/>
+                </a:solidFill>
+                <a:latin typeface="Tahoma" pitchFamily="34" charset="0"/>
+                <a:ea typeface="Tahoma" pitchFamily="34" charset="0"/>
+                <a:cs typeface="Tahoma" pitchFamily="34" charset="0"/>
+              </a:rPr>
+            </a:br>
+            <a:r>
+              <a:rPr lang="ru-RU" sz="2000" dirty="0" smtClean="0">
+                <a:solidFill>
+                  <a:schemeClr val="tx1">
+                    <a:lumMod val="50000"/>
+                    <a:lumOff val="50000"/>
+                  </a:schemeClr>
+                </a:solidFill>
+                <a:latin typeface="Tahoma" pitchFamily="34" charset="0"/>
+                <a:ea typeface="Tahoma" pitchFamily="34" charset="0"/>
+                <a:cs typeface="Tahoma" pitchFamily="34" charset="0"/>
+              </a:rPr>
+              <a:t>(минимальный размер: 640х512)</a:t>
+            </a:r>
+            <a:br>
+              <a:rPr lang="ru-RU" sz="2000" dirty="0" smtClean="0">
+                <a:solidFill>
+                  <a:schemeClr val="tx1">
+                    <a:lumMod val="50000"/>
+                    <a:lumOff val="50000"/>
+                  </a:schemeClr>
+                </a:solidFill>
+                <a:latin typeface="Tahoma" pitchFamily="34" charset="0"/>
+                <a:ea typeface="Tahoma" pitchFamily="34" charset="0"/>
+                <a:cs typeface="Tahoma" pitchFamily="34" charset="0"/>
+              </a:rPr>
+            </a:br>
+            <a:r>
+              <a:rPr lang="ru-RU" sz="2000" dirty="0" smtClean="0">
+                <a:solidFill>
+                  <a:schemeClr val="tx1">
+                    <a:lumMod val="50000"/>
+                    <a:lumOff val="50000"/>
+                  </a:schemeClr>
+                </a:solidFill>
+                <a:latin typeface="Tahoma" pitchFamily="34" charset="0"/>
+                <a:ea typeface="Tahoma" pitchFamily="34" charset="0"/>
+                <a:cs typeface="Tahoma" pitchFamily="34" charset="0"/>
+              </a:rPr>
+              <a:t>(внутри игры менять размер нельзя)</a:t>
+            </a:r>
+            <a:endParaRPr lang="ru-RU" dirty="0" smtClean="0">
+              <a:solidFill>
+                <a:schemeClr val="tx1">
+                  <a:lumMod val="50000"/>
+                  <a:lumOff val="50000"/>
+                </a:schemeClr>
+              </a:solidFill>
+              <a:latin typeface="Tahoma" pitchFamily="34" charset="0"/>
+              <a:ea typeface="Tahoma" pitchFamily="34" charset="0"/>
+              <a:cs typeface="Tahoma" pitchFamily="34" charset="0"/>
+            </a:endParaRPr>
+          </a:p>
+        </p:txBody>
+      </p:sp>
+      <p:pic>
+        <p:nvPicPr>
+          <p:cNvPr id="5122" name="Picture 2"/>
+          <p:cNvPicPr>
+            <a:picLocks noChangeAspect="1" noChangeArrowheads="1"/>
+          </p:cNvPicPr>
+          <p:nvPr/>
+        </p:nvPicPr>
+        <p:blipFill>
+          <a:blip r:embed="rId2"/>
+          <a:srcRect/>
+          <a:stretch>
+            <a:fillRect/>
+          </a:stretch>
+        </p:blipFill>
+        <p:spPr bwMode="auto">
+          <a:xfrm>
+            <a:off x="4071934" y="1571612"/>
+            <a:ext cx="4592618" cy="2857520"/>
+          </a:xfrm>
+          <a:prstGeom prst="rect">
+            <a:avLst/>
+          </a:prstGeom>
+          <a:noFill/>
+          <a:ln w="9525">
+            <a:noFill/>
+            <a:miter lim="800000"/>
+            <a:headEnd/>
+            <a:tailEnd/>
+          </a:ln>
+          <a:effectLst/>
+        </p:spPr>
+      </p:pic>
+      <p:pic>
+        <p:nvPicPr>
+          <p:cNvPr id="5123" name="Picture 3"/>
+          <p:cNvPicPr>
+            <a:picLocks noChangeAspect="1" noChangeArrowheads="1"/>
+          </p:cNvPicPr>
+          <p:nvPr/>
+        </p:nvPicPr>
+        <p:blipFill>
+          <a:blip r:embed="rId3"/>
+          <a:srcRect/>
+          <a:stretch>
+            <a:fillRect/>
+          </a:stretch>
+        </p:blipFill>
+        <p:spPr bwMode="auto">
+          <a:xfrm>
+            <a:off x="1000100" y="1928802"/>
+            <a:ext cx="2935963" cy="2292345"/>
+          </a:xfrm>
+          <a:prstGeom prst="rect">
+            <a:avLst/>
+          </a:prstGeom>
+          <a:noFill/>
+          <a:ln w="9525">
+            <a:noFill/>
+            <a:miter lim="800000"/>
+            <a:headEnd/>
+            <a:tailEnd/>
+          </a:ln>
+          <a:effectLst/>
+        </p:spPr>
+      </p:pic>
+    </p:spTree>
+    <p:extLst>
+      <p:ext uri="{BB962C8B-B14F-4D97-AF65-F5344CB8AC3E}">
+        <p14:creationId xmlns:p14="http://schemas.microsoft.com/office/powerpoint/2010/main" xmlns="" val="1371460448"/>
       </p:ext>
     </p:extLst>
   </p:cSld>
@@ -3568,8 +4925,8 @@
         </p:nvSpPr>
         <p:spPr>
           <a:xfrm>
-            <a:off x="3035373" y="908720"/>
-            <a:ext cx="3135795" cy="769441"/>
+            <a:off x="3286116" y="928670"/>
+            <a:ext cx="2706189" cy="769441"/>
           </a:xfrm>
           <a:prstGeom prst="rect">
             <a:avLst/>
@@ -3588,7 +4945,9 @@
                 <a:solidFill>
                   <a:schemeClr val="bg1"/>
                 </a:solidFill>
-                <a:latin typeface="Code Pro Bold" pitchFamily="50" charset="0"/>
+                <a:latin typeface="Tahoma" pitchFamily="34" charset="0"/>
+                <a:ea typeface="Tahoma" pitchFamily="34" charset="0"/>
+                <a:cs typeface="Tahoma" pitchFamily="34" charset="0"/>
               </a:rPr>
               <a:t>Описание</a:t>
             </a:r>
@@ -3596,6 +4955,9 @@
               <a:solidFill>
                 <a:schemeClr val="bg1"/>
               </a:solidFill>
+              <a:latin typeface="Tahoma" pitchFamily="34" charset="0"/>
+              <a:ea typeface="Tahoma" pitchFamily="34" charset="0"/>
+              <a:cs typeface="Tahoma" pitchFamily="34" charset="0"/>
             </a:endParaRPr>
           </a:p>
         </p:txBody>
@@ -3608,8 +4970,8 @@
         </p:nvSpPr>
         <p:spPr>
           <a:xfrm>
-            <a:off x="1624457" y="1916832"/>
-            <a:ext cx="5957625" cy="4216539"/>
+            <a:off x="1643042" y="2214554"/>
+            <a:ext cx="5957625" cy="2923877"/>
           </a:xfrm>
           <a:prstGeom prst="rect">
             <a:avLst/>
@@ -3624,27 +4986,36 @@
           <a:p>
             <a:pPr algn="ctr"/>
             <a:r>
-              <a:rPr lang="ru-RU" sz="2800" dirty="0" smtClean="0">
+              <a:rPr lang="ru-RU" sz="2000" dirty="0" smtClean="0">
                 <a:solidFill>
                   <a:schemeClr val="bg1"/>
                 </a:solidFill>
                 <a:latin typeface="Code Pro Bold" pitchFamily="50" charset="0"/>
               </a:rPr>
-              <a:t>ЯП: </a:t>
-            </a:r>
-            <a:r>
-              <a:rPr lang="en-US" sz="2800" dirty="0" smtClean="0">
+              <a:t>ЯП:</a:t>
+            </a:r>
+            <a:r>
+              <a:rPr lang="ru-RU" sz="2400" dirty="0" smtClean="0">
                 <a:solidFill>
                   <a:schemeClr val="bg1"/>
                 </a:solidFill>
                 <a:latin typeface="Code Pro Bold" pitchFamily="50" charset="0"/>
               </a:rPr>
+              <a:t> </a:t>
+            </a:r>
+            <a:r>
+              <a:rPr lang="en-US" sz="2400" dirty="0" smtClean="0">
+                <a:solidFill>
+                  <a:schemeClr val="bg1"/>
+                </a:solidFill>
+                <a:latin typeface="Code Pro Bold" pitchFamily="50" charset="0"/>
+              </a:rPr>
               <a:t>Python</a:t>
             </a:r>
           </a:p>
           <a:p>
             <a:pPr algn="ctr"/>
-            <a:endParaRPr lang="en-US" sz="2800" dirty="0" smtClean="0">
+            <a:endParaRPr lang="en-US" dirty="0" smtClean="0">
               <a:solidFill>
                 <a:schemeClr val="bg1"/>
               </a:solidFill>
@@ -3654,7 +5025,7 @@
           <a:p>
             <a:pPr algn="ctr"/>
             <a:r>
-              <a:rPr lang="ru-RU" sz="2800" dirty="0" smtClean="0">
+              <a:rPr lang="ru-RU" dirty="0" smtClean="0">
                 <a:solidFill>
                   <a:schemeClr val="bg1"/>
                 </a:solidFill>
@@ -3663,7 +5034,7 @@
               <a:t>Модуль: </a:t>
             </a:r>
             <a:r>
-              <a:rPr lang="en-US" sz="2800" dirty="0" err="1" smtClean="0">
+              <a:rPr lang="en-US" sz="2400" dirty="0" err="1" smtClean="0">
                 <a:solidFill>
                   <a:schemeClr val="bg1"/>
                 </a:solidFill>
@@ -3671,7 +5042,7 @@
               </a:rPr>
               <a:t>Pygame</a:t>
             </a:r>
-            <a:endParaRPr lang="en-US" sz="2800" dirty="0" smtClean="0">
+            <a:endParaRPr lang="en-US" dirty="0" smtClean="0">
               <a:solidFill>
                 <a:schemeClr val="bg1"/>
               </a:solidFill>
@@ -3680,7 +5051,7 @@
           </a:p>
           <a:p>
             <a:pPr algn="ctr"/>
-            <a:endParaRPr lang="en-US" sz="2800" dirty="0">
+            <a:endParaRPr lang="en-US" dirty="0">
               <a:solidFill>
                 <a:schemeClr val="bg1"/>
               </a:solidFill>
@@ -3690,7 +5061,7 @@
           <a:p>
             <a:pPr algn="ctr"/>
             <a:r>
-              <a:rPr lang="ru-RU" sz="2800" dirty="0" smtClean="0">
+              <a:rPr lang="ru-RU" dirty="0" smtClean="0">
                 <a:solidFill>
                   <a:schemeClr val="bg1"/>
                 </a:solidFill>
@@ -3699,7 +5070,7 @@
               <a:t>библиотеки</a:t>
             </a:r>
             <a:r>
-              <a:rPr lang="en-US" sz="2800" dirty="0" smtClean="0">
+              <a:rPr lang="en-US" dirty="0" smtClean="0">
                 <a:solidFill>
                   <a:schemeClr val="bg1"/>
                 </a:solidFill>
@@ -3708,7 +5079,7 @@
               <a:t>/</a:t>
             </a:r>
             <a:r>
-              <a:rPr lang="ru-RU" sz="2800" dirty="0" smtClean="0">
+              <a:rPr lang="ru-RU" dirty="0" smtClean="0">
                 <a:solidFill>
                   <a:schemeClr val="bg1"/>
                 </a:solidFill>
@@ -3720,7 +5091,7 @@
           <a:p>
             <a:pPr algn="ctr"/>
             <a:r>
-              <a:rPr lang="en-US" sz="2800" dirty="0" err="1" smtClean="0">
+              <a:rPr lang="en-US" sz="2400" dirty="0" err="1" smtClean="0">
                 <a:solidFill>
                   <a:schemeClr val="bg1"/>
                 </a:solidFill>
@@ -3729,7 +5100,7 @@
               <a:t>Os</a:t>
             </a:r>
             <a:r>
-              <a:rPr lang="en-US" sz="2800" dirty="0" smtClean="0">
+              <a:rPr lang="en-US" sz="2400" dirty="0" smtClean="0">
                 <a:solidFill>
                   <a:schemeClr val="bg1"/>
                 </a:solidFill>
@@ -3738,7 +5109,7 @@
               <a:t>, sys, random, </a:t>
             </a:r>
             <a:r>
-              <a:rPr lang="en-US" sz="2800" dirty="0" err="1" smtClean="0">
+              <a:rPr lang="en-US" sz="2400" dirty="0" err="1" smtClean="0">
                 <a:solidFill>
                   <a:schemeClr val="bg1"/>
                 </a:solidFill>
@@ -3747,7 +5118,7 @@
               <a:t>datetime</a:t>
             </a:r>
             <a:r>
-              <a:rPr lang="en-US" sz="2800" dirty="0" smtClean="0">
+              <a:rPr lang="en-US" dirty="0" smtClean="0">
                 <a:solidFill>
                   <a:schemeClr val="bg1"/>
                 </a:solidFill>
@@ -3756,14 +5127,14 @@
               <a:t/>
             </a:r>
             <a:br>
-              <a:rPr lang="en-US" sz="2800" dirty="0" smtClean="0">
+              <a:rPr lang="en-US" dirty="0" smtClean="0">
                 <a:solidFill>
                   <a:schemeClr val="bg1"/>
                 </a:solidFill>
                 <a:latin typeface="Code Pro Bold" pitchFamily="50" charset="0"/>
               </a:rPr>
             </a:br>
-            <a:endParaRPr lang="en-US" sz="2800" dirty="0" smtClean="0">
+            <a:endParaRPr lang="en-US" dirty="0" smtClean="0">
               <a:solidFill>
                 <a:schemeClr val="bg1"/>
               </a:solidFill>
@@ -3773,15 +5144,51 @@
           <a:p>
             <a:pPr algn="ctr"/>
             <a:r>
-              <a:rPr lang="ru-RU" sz="2400" dirty="0" smtClean="0">
+              <a:rPr lang="ru-RU" sz="2000" dirty="0" smtClean="0">
                 <a:solidFill>
                   <a:schemeClr val="bg1"/>
                 </a:solidFill>
                 <a:latin typeface="Code Pro Bold" pitchFamily="50" charset="0"/>
               </a:rPr>
-              <a:t>Все спрайты нарисованы мною. Звуки были сгенерированы онлайн.</a:t>
-            </a:r>
-            <a:endParaRPr lang="ru-RU" sz="2400" dirty="0" smtClean="0">
+              <a:t>Все спрайты нарисованы мною. Звуки были сгенерированы </a:t>
+            </a:r>
+            <a:r>
+              <a:rPr lang="ru-RU" sz="2000" dirty="0" err="1" smtClean="0">
+                <a:solidFill>
+                  <a:schemeClr val="bg1"/>
+                </a:solidFill>
+                <a:latin typeface="Code Pro Bold" pitchFamily="50" charset="0"/>
+              </a:rPr>
+              <a:t>онлайн</a:t>
+            </a:r>
+            <a:r>
+              <a:rPr lang="en-US" sz="2000" dirty="0" smtClean="0">
+                <a:solidFill>
+                  <a:schemeClr val="bg1"/>
+                </a:solidFill>
+                <a:latin typeface="Code Pro Bold" pitchFamily="50" charset="0"/>
+              </a:rPr>
+              <a:t>(https://</a:t>
+            </a:r>
+            <a:r>
+              <a:rPr lang="en-US" sz="2000" dirty="0" smtClean="0">
+                <a:solidFill>
+                  <a:schemeClr val="bg1"/>
+                </a:solidFill>
+                <a:latin typeface="Code Pro Bold" pitchFamily="50" charset="0"/>
+              </a:rPr>
+              <a:t>www.bfxr.net)</a:t>
+            </a:r>
+            <a:r>
+              <a:rPr lang="ru-RU" sz="2000" dirty="0" smtClean="0">
+                <a:solidFill>
+                  <a:schemeClr val="bg1"/>
+                </a:solidFill>
+                <a:latin typeface="Code Pro Bold" pitchFamily="50" charset="0"/>
+              </a:rPr>
+              <a:t>.</a:t>
+            </a:r>
+            <a:endParaRPr lang="ru-RU" sz="2000" dirty="0" smtClean="0">
               <a:solidFill>
                 <a:schemeClr val="bg1"/>
               </a:solidFill>
@@ -3793,7 +5200,7 @@
     </p:spTree>
     <p:extLst>
       <p:ext uri="{BB962C8B-B14F-4D97-AF65-F5344CB8AC3E}">
-        <p14:creationId xmlns:p14="http://schemas.microsoft.com/office/powerpoint/2010/main" val="4058882917"/>
+        <p14:creationId xmlns:p14="http://schemas.microsoft.com/office/powerpoint/2010/main" xmlns="" val="4058882917"/>
       </p:ext>
     </p:extLst>
   </p:cSld>
@@ -3835,8 +5242,8 @@
         </p:nvSpPr>
         <p:spPr>
           <a:xfrm>
-            <a:off x="3035373" y="908720"/>
-            <a:ext cx="3135795" cy="769441"/>
+            <a:off x="3214678" y="857232"/>
+            <a:ext cx="2706189" cy="769441"/>
           </a:xfrm>
           <a:prstGeom prst="rect">
             <a:avLst/>
@@ -3855,7 +5262,9 @@
                 <a:solidFill>
                   <a:schemeClr val="bg1"/>
                 </a:solidFill>
-                <a:latin typeface="Code Pro Bold" pitchFamily="50" charset="0"/>
+                <a:latin typeface="Tahoma" pitchFamily="34" charset="0"/>
+                <a:ea typeface="Tahoma" pitchFamily="34" charset="0"/>
+                <a:cs typeface="Tahoma" pitchFamily="34" charset="0"/>
               </a:rPr>
               <a:t>Описание</a:t>
             </a:r>
@@ -3863,6 +5272,9 @@
               <a:solidFill>
                 <a:schemeClr val="bg1"/>
               </a:solidFill>
+              <a:latin typeface="Tahoma" pitchFamily="34" charset="0"/>
+              <a:ea typeface="Tahoma" pitchFamily="34" charset="0"/>
+              <a:cs typeface="Tahoma" pitchFamily="34" charset="0"/>
             </a:endParaRPr>
           </a:p>
         </p:txBody>
@@ -3876,7 +5288,7 @@
         <p:spPr>
           <a:xfrm>
             <a:off x="1624457" y="2276872"/>
-            <a:ext cx="5957625" cy="2308324"/>
+            <a:ext cx="5957625" cy="2431435"/>
           </a:xfrm>
           <a:prstGeom prst="rect">
             <a:avLst/>
@@ -3895,25 +5307,31 @@
                 <a:solidFill>
                   <a:schemeClr val="bg1"/>
                 </a:solidFill>
-                <a:latin typeface="Code Pro Bold" pitchFamily="50" charset="0"/>
+                <a:latin typeface="Tahoma" pitchFamily="34" charset="0"/>
+                <a:ea typeface="Tahoma" pitchFamily="34" charset="0"/>
+                <a:cs typeface="Tahoma" pitchFamily="34" charset="0"/>
               </a:rPr>
               <a:t>		</a:t>
             </a:r>
             <a:r>
-              <a:rPr lang="ru-RU" sz="7200" dirty="0" smtClean="0">
-                <a:solidFill>
-                  <a:schemeClr val="bg1"/>
-                </a:solidFill>
-                <a:latin typeface="Code Pro Bold" pitchFamily="50" charset="0"/>
+              <a:rPr lang="ru-RU" sz="6600" dirty="0" smtClean="0">
+                <a:solidFill>
+                  <a:schemeClr val="bg1"/>
+                </a:solidFill>
+                <a:latin typeface="Tahoma" pitchFamily="34" charset="0"/>
+                <a:ea typeface="Tahoma" pitchFamily="34" charset="0"/>
+                <a:cs typeface="Tahoma" pitchFamily="34" charset="0"/>
               </a:rPr>
               <a:t>В</a:t>
             </a:r>
             <a:r>
-              <a:rPr lang="ru-RU" dirty="0" smtClean="0">
-                <a:solidFill>
-                  <a:schemeClr val="bg1"/>
-                </a:solidFill>
-                <a:latin typeface="Code Pro Bold" pitchFamily="50" charset="0"/>
+              <a:rPr lang="ru-RU" sz="2000" dirty="0" smtClean="0">
+                <a:solidFill>
+                  <a:schemeClr val="bg1"/>
+                </a:solidFill>
+                <a:latin typeface="Tahoma" pitchFamily="34" charset="0"/>
+                <a:ea typeface="Tahoma" pitchFamily="34" charset="0"/>
+                <a:cs typeface="Tahoma" pitchFamily="34" charset="0"/>
               </a:rPr>
               <a:t>ы - беженец из подземелья. Ваша цель, как можно быстрее найти все необходимые предметы для постройки тотема, чтобы противостоять темным силам, направляющиеся за вами.</a:t>
             </a:r>
@@ -3921,6 +5339,9 @@
               <a:solidFill>
                 <a:schemeClr val="bg1"/>
               </a:solidFill>
+              <a:latin typeface="Tahoma" pitchFamily="34" charset="0"/>
+              <a:ea typeface="Tahoma" pitchFamily="34" charset="0"/>
+              <a:cs typeface="Tahoma" pitchFamily="34" charset="0"/>
             </a:endParaRPr>
           </a:p>
         </p:txBody>
@@ -3937,7 +5358,7 @@
           <a:blip r:embed="rId2" cstate="print">
             <a:extLst>
               <a:ext uri="{28A0092B-C50C-407E-A947-70E740481C1C}">
-                <a14:useLocalDpi xmlns:a14="http://schemas.microsoft.com/office/drawing/2010/main" val="0"/>
+                <a14:useLocalDpi xmlns:a14="http://schemas.microsoft.com/office/drawing/2010/main" xmlns="" val="0"/>
               </a:ext>
             </a:extLst>
           </a:blip>
@@ -3961,14 +5382,14 @@
           <a:effectLst/>
           <a:extLst>
             <a:ext uri="{909E8E84-426E-40DD-AFC4-6F175D3DCCD1}">
-              <a14:hiddenFill xmlns:a14="http://schemas.microsoft.com/office/drawing/2010/main">
+              <a14:hiddenFill xmlns:a14="http://schemas.microsoft.com/office/drawing/2010/main" xmlns="">
                 <a:solidFill>
                   <a:schemeClr val="accent1"/>
                 </a:solidFill>
               </a14:hiddenFill>
             </a:ext>
             <a:ext uri="{91240B29-F687-4F45-9708-019B960494DF}">
-              <a14:hiddenLine xmlns:a14="http://schemas.microsoft.com/office/drawing/2010/main" w="9525">
+              <a14:hiddenLine xmlns:a14="http://schemas.microsoft.com/office/drawing/2010/main" xmlns="" w="9525">
                 <a:solidFill>
                   <a:schemeClr val="tx1"/>
                 </a:solidFill>
@@ -3978,7 +5399,7 @@
               </a14:hiddenLine>
             </a:ext>
             <a:ext uri="{AF507438-7753-43E0-B8FC-AC1667EBCBE1}">
-              <a14:hiddenEffects xmlns:a14="http://schemas.microsoft.com/office/drawing/2010/main">
+              <a14:hiddenEffects xmlns:a14="http://schemas.microsoft.com/office/drawing/2010/main" xmlns="">
                 <a:effectLst>
                   <a:outerShdw dist="35921" dir="2700000" algn="ctr" rotWithShape="0">
                     <a:schemeClr val="bg2"/>
@@ -4001,7 +5422,7 @@
           <a:blip r:embed="rId3" cstate="print">
             <a:extLst>
               <a:ext uri="{28A0092B-C50C-407E-A947-70E740481C1C}">
-                <a14:useLocalDpi xmlns:a14="http://schemas.microsoft.com/office/drawing/2010/main" val="0"/>
+                <a14:useLocalDpi xmlns:a14="http://schemas.microsoft.com/office/drawing/2010/main" xmlns="" val="0"/>
               </a:ext>
             </a:extLst>
           </a:blip>
@@ -4025,14 +5446,14 @@
           <a:effectLst/>
           <a:extLst>
             <a:ext uri="{909E8E84-426E-40DD-AFC4-6F175D3DCCD1}">
-              <a14:hiddenFill xmlns:a14="http://schemas.microsoft.com/office/drawing/2010/main">
+              <a14:hiddenFill xmlns:a14="http://schemas.microsoft.com/office/drawing/2010/main" xmlns="">
                 <a:solidFill>
                   <a:schemeClr val="accent1"/>
                 </a:solidFill>
               </a14:hiddenFill>
             </a:ext>
             <a:ext uri="{91240B29-F687-4F45-9708-019B960494DF}">
-              <a14:hiddenLine xmlns:a14="http://schemas.microsoft.com/office/drawing/2010/main" w="9525">
+              <a14:hiddenLine xmlns:a14="http://schemas.microsoft.com/office/drawing/2010/main" xmlns="" w="9525">
                 <a:solidFill>
                   <a:schemeClr val="tx1"/>
                 </a:solidFill>
@@ -4042,7 +5463,7 @@
               </a14:hiddenLine>
             </a:ext>
             <a:ext uri="{AF507438-7753-43E0-B8FC-AC1667EBCBE1}">
-              <a14:hiddenEffects xmlns:a14="http://schemas.microsoft.com/office/drawing/2010/main">
+              <a14:hiddenEffects xmlns:a14="http://schemas.microsoft.com/office/drawing/2010/main" xmlns="">
                 <a:effectLst>
                   <a:outerShdw dist="35921" dir="2700000" algn="ctr" rotWithShape="0">
                     <a:schemeClr val="bg2"/>
@@ -4056,7 +5477,7 @@
     </p:spTree>
     <p:extLst>
       <p:ext uri="{BB962C8B-B14F-4D97-AF65-F5344CB8AC3E}">
-        <p14:creationId xmlns:p14="http://schemas.microsoft.com/office/powerpoint/2010/main" val="1483406670"/>
+        <p14:creationId xmlns:p14="http://schemas.microsoft.com/office/powerpoint/2010/main" xmlns="" val="1483406670"/>
       </p:ext>
     </p:extLst>
   </p:cSld>
@@ -4099,7 +5520,7 @@
         <p:spPr>
           <a:xfrm>
             <a:off x="3814434" y="908720"/>
-            <a:ext cx="1577676" cy="769441"/>
+            <a:ext cx="1518877" cy="769441"/>
           </a:xfrm>
           <a:prstGeom prst="rect">
             <a:avLst/>
@@ -4118,7 +5539,9 @@
                 <a:solidFill>
                   <a:schemeClr val="bg1"/>
                 </a:solidFill>
-                <a:latin typeface="Code Pro Bold" pitchFamily="50" charset="0"/>
+                <a:latin typeface="Tahoma" pitchFamily="34" charset="0"/>
+                <a:ea typeface="Tahoma" pitchFamily="34" charset="0"/>
+                <a:cs typeface="Tahoma" pitchFamily="34" charset="0"/>
               </a:rPr>
               <a:t>Цель</a:t>
             </a:r>
@@ -4126,6 +5549,9 @@
               <a:solidFill>
                 <a:schemeClr val="bg1"/>
               </a:solidFill>
+              <a:latin typeface="Tahoma" pitchFamily="34" charset="0"/>
+              <a:ea typeface="Tahoma" pitchFamily="34" charset="0"/>
+              <a:cs typeface="Tahoma" pitchFamily="34" charset="0"/>
             </a:endParaRPr>
           </a:p>
         </p:txBody>
@@ -4158,7 +5584,9 @@
                 <a:solidFill>
                   <a:schemeClr val="bg1"/>
                 </a:solidFill>
-                <a:latin typeface="Code Pro Bold" pitchFamily="50" charset="0"/>
+                <a:latin typeface="Tahoma" pitchFamily="34" charset="0"/>
+                <a:ea typeface="Tahoma" pitchFamily="34" charset="0"/>
+                <a:cs typeface="Tahoma" pitchFamily="34" charset="0"/>
               </a:rPr>
               <a:t>Во время игры вам необходимо найти предметы для постройки тотема</a:t>
             </a:r>
@@ -4166,6 +5594,9 @@
               <a:solidFill>
                 <a:schemeClr val="bg1"/>
               </a:solidFill>
+              <a:latin typeface="Tahoma" pitchFamily="34" charset="0"/>
+              <a:ea typeface="Tahoma" pitchFamily="34" charset="0"/>
+              <a:cs typeface="Tahoma" pitchFamily="34" charset="0"/>
             </a:endParaRPr>
           </a:p>
         </p:txBody>
@@ -4182,7 +5613,7 @@
           <a:blip r:embed="rId2" cstate="print">
             <a:extLst>
               <a:ext uri="{28A0092B-C50C-407E-A947-70E740481C1C}">
-                <a14:useLocalDpi xmlns:a14="http://schemas.microsoft.com/office/drawing/2010/main" val="0"/>
+                <a14:useLocalDpi xmlns:a14="http://schemas.microsoft.com/office/drawing/2010/main" xmlns="" val="0"/>
               </a:ext>
             </a:extLst>
           </a:blip>
@@ -4206,14 +5637,14 @@
           <a:effectLst/>
           <a:extLst>
             <a:ext uri="{909E8E84-426E-40DD-AFC4-6F175D3DCCD1}">
-              <a14:hiddenFill xmlns:a14="http://schemas.microsoft.com/office/drawing/2010/main">
+              <a14:hiddenFill xmlns:a14="http://schemas.microsoft.com/office/drawing/2010/main" xmlns="">
                 <a:solidFill>
                   <a:schemeClr val="accent1"/>
                 </a:solidFill>
               </a14:hiddenFill>
             </a:ext>
             <a:ext uri="{91240B29-F687-4F45-9708-019B960494DF}">
-              <a14:hiddenLine xmlns:a14="http://schemas.microsoft.com/office/drawing/2010/main" w="9525">
+              <a14:hiddenLine xmlns:a14="http://schemas.microsoft.com/office/drawing/2010/main" xmlns="" w="9525">
                 <a:solidFill>
                   <a:schemeClr val="tx1"/>
                 </a:solidFill>
@@ -4223,7 +5654,7 @@
               </a14:hiddenLine>
             </a:ext>
             <a:ext uri="{AF507438-7753-43E0-B8FC-AC1667EBCBE1}">
-              <a14:hiddenEffects xmlns:a14="http://schemas.microsoft.com/office/drawing/2010/main">
+              <a14:hiddenEffects xmlns:a14="http://schemas.microsoft.com/office/drawing/2010/main" xmlns="">
                 <a:effectLst>
                   <a:outerShdw dist="35921" dir="2700000" algn="ctr" rotWithShape="0">
                     <a:schemeClr val="bg2"/>
@@ -4246,7 +5677,7 @@
           <a:blip r:embed="rId2" cstate="print">
             <a:extLst>
               <a:ext uri="{28A0092B-C50C-407E-A947-70E740481C1C}">
-                <a14:useLocalDpi xmlns:a14="http://schemas.microsoft.com/office/drawing/2010/main" val="0"/>
+                <a14:useLocalDpi xmlns:a14="http://schemas.microsoft.com/office/drawing/2010/main" xmlns="" val="0"/>
               </a:ext>
             </a:extLst>
           </a:blip>
@@ -4270,14 +5701,14 @@
           <a:effectLst/>
           <a:extLst>
             <a:ext uri="{909E8E84-426E-40DD-AFC4-6F175D3DCCD1}">
-              <a14:hiddenFill xmlns:a14="http://schemas.microsoft.com/office/drawing/2010/main">
+              <a14:hiddenFill xmlns:a14="http://schemas.microsoft.com/office/drawing/2010/main" xmlns="">
                 <a:solidFill>
                   <a:schemeClr val="accent1"/>
                 </a:solidFill>
               </a14:hiddenFill>
             </a:ext>
             <a:ext uri="{91240B29-F687-4F45-9708-019B960494DF}">
-              <a14:hiddenLine xmlns:a14="http://schemas.microsoft.com/office/drawing/2010/main" w="9525">
+              <a14:hiddenLine xmlns:a14="http://schemas.microsoft.com/office/drawing/2010/main" xmlns="" w="9525">
                 <a:solidFill>
                   <a:schemeClr val="tx1"/>
                 </a:solidFill>
@@ -4287,7 +5718,7 @@
               </a14:hiddenLine>
             </a:ext>
             <a:ext uri="{AF507438-7753-43E0-B8FC-AC1667EBCBE1}">
-              <a14:hiddenEffects xmlns:a14="http://schemas.microsoft.com/office/drawing/2010/main">
+              <a14:hiddenEffects xmlns:a14="http://schemas.microsoft.com/office/drawing/2010/main" xmlns="">
                 <a:effectLst>
                   <a:outerShdw dist="35921" dir="2700000" algn="ctr" rotWithShape="0">
                     <a:schemeClr val="bg2"/>
@@ -4310,7 +5741,7 @@
           <a:blip r:embed="rId2" cstate="print">
             <a:extLst>
               <a:ext uri="{28A0092B-C50C-407E-A947-70E740481C1C}">
-                <a14:useLocalDpi xmlns:a14="http://schemas.microsoft.com/office/drawing/2010/main" val="0"/>
+                <a14:useLocalDpi xmlns:a14="http://schemas.microsoft.com/office/drawing/2010/main" xmlns="" val="0"/>
               </a:ext>
             </a:extLst>
           </a:blip>
@@ -4334,14 +5765,14 @@
           <a:effectLst/>
           <a:extLst>
             <a:ext uri="{909E8E84-426E-40DD-AFC4-6F175D3DCCD1}">
-              <a14:hiddenFill xmlns:a14="http://schemas.microsoft.com/office/drawing/2010/main">
+              <a14:hiddenFill xmlns:a14="http://schemas.microsoft.com/office/drawing/2010/main" xmlns="">
                 <a:solidFill>
                   <a:schemeClr val="accent1"/>
                 </a:solidFill>
               </a14:hiddenFill>
             </a:ext>
             <a:ext uri="{91240B29-F687-4F45-9708-019B960494DF}">
-              <a14:hiddenLine xmlns:a14="http://schemas.microsoft.com/office/drawing/2010/main" w="9525">
+              <a14:hiddenLine xmlns:a14="http://schemas.microsoft.com/office/drawing/2010/main" xmlns="" w="9525">
                 <a:solidFill>
                   <a:schemeClr val="tx1"/>
                 </a:solidFill>
@@ -4351,7 +5782,7 @@
               </a14:hiddenLine>
             </a:ext>
             <a:ext uri="{AF507438-7753-43E0-B8FC-AC1667EBCBE1}">
-              <a14:hiddenEffects xmlns:a14="http://schemas.microsoft.com/office/drawing/2010/main">
+              <a14:hiddenEffects xmlns:a14="http://schemas.microsoft.com/office/drawing/2010/main" xmlns="">
                 <a:effectLst>
                   <a:outerShdw dist="35921" dir="2700000" algn="ctr" rotWithShape="0">
                     <a:schemeClr val="bg2"/>
@@ -4374,7 +5805,7 @@
           <a:blip r:embed="rId2" cstate="print">
             <a:extLst>
               <a:ext uri="{28A0092B-C50C-407E-A947-70E740481C1C}">
-                <a14:useLocalDpi xmlns:a14="http://schemas.microsoft.com/office/drawing/2010/main" val="0"/>
+                <a14:useLocalDpi xmlns:a14="http://schemas.microsoft.com/office/drawing/2010/main" xmlns="" val="0"/>
               </a:ext>
             </a:extLst>
           </a:blip>
@@ -4398,14 +5829,14 @@
           <a:effectLst/>
           <a:extLst>
             <a:ext uri="{909E8E84-426E-40DD-AFC4-6F175D3DCCD1}">
-              <a14:hiddenFill xmlns:a14="http://schemas.microsoft.com/office/drawing/2010/main">
+              <a14:hiddenFill xmlns:a14="http://schemas.microsoft.com/office/drawing/2010/main" xmlns="">
                 <a:solidFill>
                   <a:schemeClr val="accent1"/>
                 </a:solidFill>
               </a14:hiddenFill>
             </a:ext>
             <a:ext uri="{91240B29-F687-4F45-9708-019B960494DF}">
-              <a14:hiddenLine xmlns:a14="http://schemas.microsoft.com/office/drawing/2010/main" w="9525">
+              <a14:hiddenLine xmlns:a14="http://schemas.microsoft.com/office/drawing/2010/main" xmlns="" w="9525">
                 <a:solidFill>
                   <a:schemeClr val="tx1"/>
                 </a:solidFill>
@@ -4415,7 +5846,7 @@
               </a14:hiddenLine>
             </a:ext>
             <a:ext uri="{AF507438-7753-43E0-B8FC-AC1667EBCBE1}">
-              <a14:hiddenEffects xmlns:a14="http://schemas.microsoft.com/office/drawing/2010/main">
+              <a14:hiddenEffects xmlns:a14="http://schemas.microsoft.com/office/drawing/2010/main" xmlns="">
                 <a:effectLst>
                   <a:outerShdw dist="35921" dir="2700000" algn="ctr" rotWithShape="0">
                     <a:schemeClr val="bg2"/>
@@ -4438,7 +5869,7 @@
           <a:blip r:embed="rId2" cstate="print">
             <a:extLst>
               <a:ext uri="{28A0092B-C50C-407E-A947-70E740481C1C}">
-                <a14:useLocalDpi xmlns:a14="http://schemas.microsoft.com/office/drawing/2010/main" val="0"/>
+                <a14:useLocalDpi xmlns:a14="http://schemas.microsoft.com/office/drawing/2010/main" xmlns="" val="0"/>
               </a:ext>
             </a:extLst>
           </a:blip>
@@ -4462,14 +5893,14 @@
           <a:effectLst/>
           <a:extLst>
             <a:ext uri="{909E8E84-426E-40DD-AFC4-6F175D3DCCD1}">
-              <a14:hiddenFill xmlns:a14="http://schemas.microsoft.com/office/drawing/2010/main">
+              <a14:hiddenFill xmlns:a14="http://schemas.microsoft.com/office/drawing/2010/main" xmlns="">
                 <a:solidFill>
                   <a:schemeClr val="accent1"/>
                 </a:solidFill>
               </a14:hiddenFill>
             </a:ext>
             <a:ext uri="{91240B29-F687-4F45-9708-019B960494DF}">
-              <a14:hiddenLine xmlns:a14="http://schemas.microsoft.com/office/drawing/2010/main" w="9525">
+              <a14:hiddenLine xmlns:a14="http://schemas.microsoft.com/office/drawing/2010/main" xmlns="" w="9525">
                 <a:solidFill>
                   <a:schemeClr val="tx1"/>
                 </a:solidFill>
@@ -4479,7 +5910,7 @@
               </a14:hiddenLine>
             </a:ext>
             <a:ext uri="{AF507438-7753-43E0-B8FC-AC1667EBCBE1}">
-              <a14:hiddenEffects xmlns:a14="http://schemas.microsoft.com/office/drawing/2010/main">
+              <a14:hiddenEffects xmlns:a14="http://schemas.microsoft.com/office/drawing/2010/main" xmlns="">
                 <a:effectLst>
                   <a:outerShdw dist="35921" dir="2700000" algn="ctr" rotWithShape="0">
                     <a:schemeClr val="bg2"/>
@@ -4502,7 +5933,7 @@
           <a:blip r:embed="rId2" cstate="print">
             <a:extLst>
               <a:ext uri="{28A0092B-C50C-407E-A947-70E740481C1C}">
-                <a14:useLocalDpi xmlns:a14="http://schemas.microsoft.com/office/drawing/2010/main" val="0"/>
+                <a14:useLocalDpi xmlns:a14="http://schemas.microsoft.com/office/drawing/2010/main" xmlns="" val="0"/>
               </a:ext>
             </a:extLst>
           </a:blip>
@@ -4526,14 +5957,14 @@
           <a:effectLst/>
           <a:extLst>
             <a:ext uri="{909E8E84-426E-40DD-AFC4-6F175D3DCCD1}">
-              <a14:hiddenFill xmlns:a14="http://schemas.microsoft.com/office/drawing/2010/main">
+              <a14:hiddenFill xmlns:a14="http://schemas.microsoft.com/office/drawing/2010/main" xmlns="">
                 <a:solidFill>
                   <a:schemeClr val="accent1"/>
                 </a:solidFill>
               </a14:hiddenFill>
             </a:ext>
             <a:ext uri="{91240B29-F687-4F45-9708-019B960494DF}">
-              <a14:hiddenLine xmlns:a14="http://schemas.microsoft.com/office/drawing/2010/main" w="9525">
+              <a14:hiddenLine xmlns:a14="http://schemas.microsoft.com/office/drawing/2010/main" xmlns="" w="9525">
                 <a:solidFill>
                   <a:schemeClr val="tx1"/>
                 </a:solidFill>
@@ -4543,7 +5974,7 @@
               </a14:hiddenLine>
             </a:ext>
             <a:ext uri="{AF507438-7753-43E0-B8FC-AC1667EBCBE1}">
-              <a14:hiddenEffects xmlns:a14="http://schemas.microsoft.com/office/drawing/2010/main">
+              <a14:hiddenEffects xmlns:a14="http://schemas.microsoft.com/office/drawing/2010/main" xmlns="">
                 <a:effectLst>
                   <a:outerShdw dist="35921" dir="2700000" algn="ctr" rotWithShape="0">
                     <a:schemeClr val="bg2"/>
@@ -4566,7 +5997,7 @@
           <a:blip r:embed="rId2" cstate="print">
             <a:extLst>
               <a:ext uri="{28A0092B-C50C-407E-A947-70E740481C1C}">
-                <a14:useLocalDpi xmlns:a14="http://schemas.microsoft.com/office/drawing/2010/main" val="0"/>
+                <a14:useLocalDpi xmlns:a14="http://schemas.microsoft.com/office/drawing/2010/main" xmlns="" val="0"/>
               </a:ext>
             </a:extLst>
           </a:blip>
@@ -4590,14 +6021,14 @@
           <a:effectLst/>
           <a:extLst>
             <a:ext uri="{909E8E84-426E-40DD-AFC4-6F175D3DCCD1}">
-              <a14:hiddenFill xmlns:a14="http://schemas.microsoft.com/office/drawing/2010/main">
+              <a14:hiddenFill xmlns:a14="http://schemas.microsoft.com/office/drawing/2010/main" xmlns="">
                 <a:solidFill>
                   <a:schemeClr val="accent1"/>
                 </a:solidFill>
               </a14:hiddenFill>
             </a:ext>
             <a:ext uri="{91240B29-F687-4F45-9708-019B960494DF}">
-              <a14:hiddenLine xmlns:a14="http://schemas.microsoft.com/office/drawing/2010/main" w="9525">
+              <a14:hiddenLine xmlns:a14="http://schemas.microsoft.com/office/drawing/2010/main" xmlns="" w="9525">
                 <a:solidFill>
                   <a:schemeClr val="tx1"/>
                 </a:solidFill>
@@ -4607,7 +6038,7 @@
               </a14:hiddenLine>
             </a:ext>
             <a:ext uri="{AF507438-7753-43E0-B8FC-AC1667EBCBE1}">
-              <a14:hiddenEffects xmlns:a14="http://schemas.microsoft.com/office/drawing/2010/main">
+              <a14:hiddenEffects xmlns:a14="http://schemas.microsoft.com/office/drawing/2010/main" xmlns="">
                 <a:effectLst>
                   <a:outerShdw dist="35921" dir="2700000" algn="ctr" rotWithShape="0">
                     <a:schemeClr val="bg2"/>
@@ -4630,7 +6061,7 @@
           <a:blip r:embed="rId2" cstate="print">
             <a:extLst>
               <a:ext uri="{28A0092B-C50C-407E-A947-70E740481C1C}">
-                <a14:useLocalDpi xmlns:a14="http://schemas.microsoft.com/office/drawing/2010/main" val="0"/>
+                <a14:useLocalDpi xmlns:a14="http://schemas.microsoft.com/office/drawing/2010/main" xmlns="" val="0"/>
               </a:ext>
             </a:extLst>
           </a:blip>
@@ -4654,14 +6085,14 @@
           <a:effectLst/>
           <a:extLst>
             <a:ext uri="{909E8E84-426E-40DD-AFC4-6F175D3DCCD1}">
-              <a14:hiddenFill xmlns:a14="http://schemas.microsoft.com/office/drawing/2010/main">
+              <a14:hiddenFill xmlns:a14="http://schemas.microsoft.com/office/drawing/2010/main" xmlns="">
                 <a:solidFill>
                   <a:schemeClr val="accent1"/>
                 </a:solidFill>
               </a14:hiddenFill>
             </a:ext>
             <a:ext uri="{91240B29-F687-4F45-9708-019B960494DF}">
-              <a14:hiddenLine xmlns:a14="http://schemas.microsoft.com/office/drawing/2010/main" w="9525">
+              <a14:hiddenLine xmlns:a14="http://schemas.microsoft.com/office/drawing/2010/main" xmlns="" w="9525">
                 <a:solidFill>
                   <a:schemeClr val="tx1"/>
                 </a:solidFill>
@@ -4671,7 +6102,7 @@
               </a14:hiddenLine>
             </a:ext>
             <a:ext uri="{AF507438-7753-43E0-B8FC-AC1667EBCBE1}">
-              <a14:hiddenEffects xmlns:a14="http://schemas.microsoft.com/office/drawing/2010/main">
+              <a14:hiddenEffects xmlns:a14="http://schemas.microsoft.com/office/drawing/2010/main" xmlns="">
                 <a:effectLst>
                   <a:outerShdw dist="35921" dir="2700000" algn="ctr" rotWithShape="0">
                     <a:schemeClr val="bg2"/>
@@ -4694,7 +6125,7 @@
           <a:blip r:embed="rId3" cstate="print">
             <a:extLst>
               <a:ext uri="{28A0092B-C50C-407E-A947-70E740481C1C}">
-                <a14:useLocalDpi xmlns:a14="http://schemas.microsoft.com/office/drawing/2010/main" val="0"/>
+                <a14:useLocalDpi xmlns:a14="http://schemas.microsoft.com/office/drawing/2010/main" xmlns="" val="0"/>
               </a:ext>
             </a:extLst>
           </a:blip>
@@ -4718,14 +6149,14 @@
           <a:effectLst/>
           <a:extLst>
             <a:ext uri="{909E8E84-426E-40DD-AFC4-6F175D3DCCD1}">
-              <a14:hiddenFill xmlns:a14="http://schemas.microsoft.com/office/drawing/2010/main">
+              <a14:hiddenFill xmlns:a14="http://schemas.microsoft.com/office/drawing/2010/main" xmlns="">
                 <a:solidFill>
                   <a:schemeClr val="accent1"/>
                 </a:solidFill>
               </a14:hiddenFill>
             </a:ext>
             <a:ext uri="{91240B29-F687-4F45-9708-019B960494DF}">
-              <a14:hiddenLine xmlns:a14="http://schemas.microsoft.com/office/drawing/2010/main" w="9525">
+              <a14:hiddenLine xmlns:a14="http://schemas.microsoft.com/office/drawing/2010/main" xmlns="" w="9525">
                 <a:solidFill>
                   <a:schemeClr val="tx1"/>
                 </a:solidFill>
@@ -4735,7 +6166,7 @@
               </a14:hiddenLine>
             </a:ext>
             <a:ext uri="{AF507438-7753-43E0-B8FC-AC1667EBCBE1}">
-              <a14:hiddenEffects xmlns:a14="http://schemas.microsoft.com/office/drawing/2010/main">
+              <a14:hiddenEffects xmlns:a14="http://schemas.microsoft.com/office/drawing/2010/main" xmlns="">
                 <a:effectLst>
                   <a:outerShdw dist="35921" dir="2700000" algn="ctr" rotWithShape="0">
                     <a:schemeClr val="bg2"/>
@@ -4773,7 +6204,9 @@
                 <a:solidFill>
                   <a:schemeClr val="bg1"/>
                 </a:solidFill>
-                <a:latin typeface="Code Pro Bold" pitchFamily="50" charset="0"/>
+                <a:latin typeface="Tahoma" pitchFamily="34" charset="0"/>
+                <a:ea typeface="Tahoma" pitchFamily="34" charset="0"/>
+                <a:cs typeface="Tahoma" pitchFamily="34" charset="0"/>
               </a:rPr>
               <a:t>9x </a:t>
             </a:r>
@@ -4782,32 +6215,95 @@
                 <a:solidFill>
                   <a:schemeClr val="bg1"/>
                 </a:solidFill>
-                <a:latin typeface="Code Pro Bold" pitchFamily="50" charset="0"/>
-              </a:rPr>
-              <a:t>Сухожилий					1х </a:t>
-            </a:r>
-            <a:r>
-              <a:rPr lang="en-US" dirty="0" smtClean="0">
-                <a:solidFill>
-                  <a:schemeClr val="bg1"/>
-                </a:solidFill>
-                <a:latin typeface="Code Pro Bold" pitchFamily="50" charset="0"/>
-              </a:rPr>
-              <a:t>N-</a:t>
-            </a:r>
-            <a:r>
-              <a:rPr lang="ru-RU" dirty="0" smtClean="0">
-                <a:solidFill>
-                  <a:schemeClr val="bg1"/>
-                </a:solidFill>
-                <a:latin typeface="Code Pro Bold" pitchFamily="50" charset="0"/>
-              </a:rPr>
-              <a:t>й МЕЧ</a:t>
+                <a:latin typeface="Tahoma" pitchFamily="34" charset="0"/>
+                <a:ea typeface="Tahoma" pitchFamily="34" charset="0"/>
+                <a:cs typeface="Tahoma" pitchFamily="34" charset="0"/>
+              </a:rPr>
+              <a:t>Сухожилий</a:t>
             </a:r>
             <a:endParaRPr lang="en-US" dirty="0">
               <a:solidFill>
                 <a:schemeClr val="bg1"/>
               </a:solidFill>
+              <a:latin typeface="Tahoma" pitchFamily="34" charset="0"/>
+              <a:ea typeface="Tahoma" pitchFamily="34" charset="0"/>
+              <a:cs typeface="Tahoma" pitchFamily="34" charset="0"/>
+            </a:endParaRPr>
+          </a:p>
+        </p:txBody>
+      </p:sp>
+      <p:sp>
+        <p:nvSpPr>
+          <p:cNvPr id="15" name="Прямоугольник 14"/>
+          <p:cNvSpPr/>
+          <p:nvPr/>
+        </p:nvSpPr>
+        <p:spPr>
+          <a:xfrm>
+            <a:off x="6643702" y="3929066"/>
+            <a:ext cx="1391728" cy="369332"/>
+          </a:xfrm>
+          <a:prstGeom prst="rect">
+            <a:avLst/>
+          </a:prstGeom>
+        </p:spPr>
+        <p:txBody>
+          <a:bodyPr wrap="none">
+            <a:spAutoFit/>
+          </a:bodyPr>
+          <a:lstStyle/>
+          <a:p>
+            <a:r>
+              <a:rPr lang="ru-RU" dirty="0" smtClean="0">
+                <a:solidFill>
+                  <a:schemeClr val="bg1"/>
+                </a:solidFill>
+                <a:latin typeface="Tahoma" pitchFamily="34" charset="0"/>
+                <a:ea typeface="Tahoma" pitchFamily="34" charset="0"/>
+                <a:cs typeface="Tahoma" pitchFamily="34" charset="0"/>
+              </a:rPr>
+              <a:t>1х </a:t>
+            </a:r>
+            <a:r>
+              <a:rPr lang="en-US" dirty="0" smtClean="0">
+                <a:solidFill>
+                  <a:schemeClr val="bg1"/>
+                </a:solidFill>
+                <a:latin typeface="Tahoma" pitchFamily="34" charset="0"/>
+                <a:ea typeface="Tahoma" pitchFamily="34" charset="0"/>
+                <a:cs typeface="Tahoma" pitchFamily="34" charset="0"/>
+              </a:rPr>
+              <a:t>N-</a:t>
+            </a:r>
+            <a:r>
+              <a:rPr lang="ru-RU" dirty="0" err="1" smtClean="0">
+                <a:solidFill>
+                  <a:schemeClr val="bg1"/>
+                </a:solidFill>
+                <a:latin typeface="Tahoma" pitchFamily="34" charset="0"/>
+                <a:ea typeface="Tahoma" pitchFamily="34" charset="0"/>
+                <a:cs typeface="Tahoma" pitchFamily="34" charset="0"/>
+              </a:rPr>
+              <a:t>й</a:t>
+            </a:r>
+            <a:r>
+              <a:rPr lang="ru-RU" dirty="0" smtClean="0">
+                <a:solidFill>
+                  <a:schemeClr val="bg1"/>
+                </a:solidFill>
+                <a:latin typeface="Tahoma" pitchFamily="34" charset="0"/>
+                <a:ea typeface="Tahoma" pitchFamily="34" charset="0"/>
+                <a:cs typeface="Tahoma" pitchFamily="34" charset="0"/>
+              </a:rPr>
+              <a:t> МЕЧ</a:t>
+            </a:r>
+            <a:endParaRPr lang="en-US" dirty="0">
+              <a:solidFill>
+                <a:schemeClr val="bg1"/>
+              </a:solidFill>
+              <a:latin typeface="Tahoma" pitchFamily="34" charset="0"/>
+              <a:ea typeface="Tahoma" pitchFamily="34" charset="0"/>
+              <a:cs typeface="Tahoma" pitchFamily="34" charset="0"/>
             </a:endParaRPr>
           </a:p>
         </p:txBody>
@@ -4815,7 +6311,7 @@
     </p:spTree>
     <p:extLst>
       <p:ext uri="{BB962C8B-B14F-4D97-AF65-F5344CB8AC3E}">
-        <p14:creationId xmlns:p14="http://schemas.microsoft.com/office/powerpoint/2010/main" val="2517443673"/>
+        <p14:creationId xmlns:p14="http://schemas.microsoft.com/office/powerpoint/2010/main" xmlns="" val="2517443673"/>
       </p:ext>
     </p:extLst>
   </p:cSld>
@@ -4858,7 +6354,7 @@
         <p:spPr>
           <a:xfrm>
             <a:off x="3814434" y="908720"/>
-            <a:ext cx="1577676" cy="769441"/>
+            <a:ext cx="1462260" cy="769441"/>
           </a:xfrm>
           <a:prstGeom prst="rect">
             <a:avLst/>
@@ -4877,7 +6373,9 @@
                 <a:solidFill>
                   <a:schemeClr val="bg1"/>
                 </a:solidFill>
-                <a:latin typeface="Code Pro Bold" pitchFamily="50" charset="0"/>
+                <a:latin typeface="Tahoma" pitchFamily="34" charset="0"/>
+                <a:ea typeface="Tahoma" pitchFamily="34" charset="0"/>
+                <a:cs typeface="Tahoma" pitchFamily="34" charset="0"/>
               </a:rPr>
               <a:t>Цель</a:t>
             </a:r>
@@ -4885,6 +6383,9 @@
               <a:solidFill>
                 <a:schemeClr val="bg1"/>
               </a:solidFill>
+              <a:latin typeface="Tahoma" pitchFamily="34" charset="0"/>
+              <a:ea typeface="Tahoma" pitchFamily="34" charset="0"/>
+              <a:cs typeface="Tahoma" pitchFamily="34" charset="0"/>
             </a:endParaRPr>
           </a:p>
         </p:txBody>
@@ -4917,34 +6418,31 @@
                 <a:solidFill>
                   <a:schemeClr val="bg1"/>
                 </a:solidFill>
-                <a:latin typeface="Code Pro Bold" pitchFamily="50" charset="0"/>
-              </a:rPr>
-              <a:t>Кажду</a:t>
+                <a:latin typeface="Tahoma" pitchFamily="34" charset="0"/>
+                <a:ea typeface="Tahoma" pitchFamily="34" charset="0"/>
+                <a:cs typeface="Tahoma" pitchFamily="34" charset="0"/>
+              </a:rPr>
+              <a:t>Каждую Минуту по краям карты, темные силы заглатывают по </a:t>
+            </a:r>
+            <a:r>
+              <a:rPr lang="en-US" dirty="0" smtClean="0">
+                <a:solidFill>
+                  <a:schemeClr val="bg1"/>
+                </a:solidFill>
+                <a:latin typeface="Tahoma" pitchFamily="34" charset="0"/>
+                <a:ea typeface="Tahoma" pitchFamily="34" charset="0"/>
+                <a:cs typeface="Tahoma" pitchFamily="34" charset="0"/>
+              </a:rPr>
+              <a:t>N</a:t>
             </a:r>
             <a:r>
               <a:rPr lang="ru-RU" dirty="0" smtClean="0">
                 <a:solidFill>
                   <a:schemeClr val="bg1"/>
                 </a:solidFill>
-                <a:latin typeface="Code Pro Bold" pitchFamily="50" charset="0"/>
-              </a:rPr>
-              <a:t>ю Минуту по краям карты, темные силы заглатывают по </a:t>
-            </a:r>
-            <a:r>
-              <a:rPr lang="en-US" dirty="0" smtClean="0">
-                <a:solidFill>
-                  <a:schemeClr val="bg1"/>
-                </a:solidFill>
-                <a:latin typeface="Code Pro Bold" pitchFamily="50" charset="0"/>
-              </a:rPr>
-              <a:t>N</a:t>
-            </a:r>
-            <a:r>
-              <a:rPr lang="ru-RU" dirty="0" smtClean="0">
-                <a:solidFill>
-                  <a:schemeClr val="bg1"/>
-                </a:solidFill>
-                <a:latin typeface="Code Pro Bold" pitchFamily="50" charset="0"/>
+                <a:latin typeface="Tahoma" pitchFamily="34" charset="0"/>
+                <a:ea typeface="Tahoma" pitchFamily="34" charset="0"/>
+                <a:cs typeface="Tahoma" pitchFamily="34" charset="0"/>
               </a:rPr>
               <a:t> клеток, в зависимости от сложности</a:t>
             </a:r>
@@ -4952,6 +6450,9 @@
               <a:solidFill>
                 <a:schemeClr val="bg1"/>
               </a:solidFill>
+              <a:latin typeface="Tahoma" pitchFamily="34" charset="0"/>
+              <a:ea typeface="Tahoma" pitchFamily="34" charset="0"/>
+              <a:cs typeface="Tahoma" pitchFamily="34" charset="0"/>
             </a:endParaRPr>
           </a:p>
         </p:txBody>
@@ -4984,7 +6485,9 @@
                 <a:solidFill>
                   <a:schemeClr val="bg1"/>
                 </a:solidFill>
-                <a:latin typeface="Code Pro Bold" pitchFamily="50" charset="0"/>
+                <a:latin typeface="Tahoma" pitchFamily="34" charset="0"/>
+                <a:ea typeface="Tahoma" pitchFamily="34" charset="0"/>
+                <a:cs typeface="Tahoma" pitchFamily="34" charset="0"/>
               </a:rPr>
               <a:t>EASY – </a:t>
             </a:r>
@@ -4993,7 +6496,9 @@
                 <a:solidFill>
                   <a:schemeClr val="bg1"/>
                 </a:solidFill>
-                <a:latin typeface="Code Pro Bold" pitchFamily="50" charset="0"/>
+                <a:latin typeface="Tahoma" pitchFamily="34" charset="0"/>
+                <a:ea typeface="Tahoma" pitchFamily="34" charset="0"/>
+                <a:cs typeface="Tahoma" pitchFamily="34" charset="0"/>
               </a:rPr>
               <a:t>4 Клетки в минуту</a:t>
             </a:r>
@@ -5005,7 +6510,9 @@
                 <a:solidFill>
                   <a:schemeClr val="bg1"/>
                 </a:solidFill>
-                <a:latin typeface="Code Pro Bold" pitchFamily="50" charset="0"/>
+                <a:latin typeface="Tahoma" pitchFamily="34" charset="0"/>
+                <a:ea typeface="Tahoma" pitchFamily="34" charset="0"/>
+                <a:cs typeface="Tahoma" pitchFamily="34" charset="0"/>
               </a:rPr>
               <a:t>MEDIUM –</a:t>
             </a:r>
@@ -5014,7 +6521,9 @@
                 <a:solidFill>
                   <a:schemeClr val="bg1"/>
                 </a:solidFill>
-                <a:latin typeface="Code Pro Bold" pitchFamily="50" charset="0"/>
+                <a:latin typeface="Tahoma" pitchFamily="34" charset="0"/>
+                <a:ea typeface="Tahoma" pitchFamily="34" charset="0"/>
+                <a:cs typeface="Tahoma" pitchFamily="34" charset="0"/>
               </a:rPr>
               <a:t> 8 Клеток в минуту</a:t>
             </a:r>
@@ -5026,7 +6535,9 @@
                 <a:solidFill>
                   <a:schemeClr val="bg1"/>
                 </a:solidFill>
-                <a:latin typeface="Code Pro Bold" pitchFamily="50" charset="0"/>
+                <a:latin typeface="Tahoma" pitchFamily="34" charset="0"/>
+                <a:ea typeface="Tahoma" pitchFamily="34" charset="0"/>
+                <a:cs typeface="Tahoma" pitchFamily="34" charset="0"/>
               </a:rPr>
               <a:t>HARDCORE –</a:t>
             </a:r>
@@ -5035,7 +6546,9 @@
                 <a:solidFill>
                   <a:schemeClr val="bg1"/>
                 </a:solidFill>
-                <a:latin typeface="Code Pro Bold" pitchFamily="50" charset="0"/>
+                <a:latin typeface="Tahoma" pitchFamily="34" charset="0"/>
+                <a:ea typeface="Tahoma" pitchFamily="34" charset="0"/>
+                <a:cs typeface="Tahoma" pitchFamily="34" charset="0"/>
               </a:rPr>
               <a:t> 16 клеток в минуту</a:t>
             </a:r>
@@ -5043,6 +6556,9 @@
               <a:solidFill>
                 <a:schemeClr val="bg1"/>
               </a:solidFill>
+              <a:latin typeface="Tahoma" pitchFamily="34" charset="0"/>
+              <a:ea typeface="Tahoma" pitchFamily="34" charset="0"/>
+              <a:cs typeface="Tahoma" pitchFamily="34" charset="0"/>
             </a:endParaRPr>
           </a:p>
         </p:txBody>
@@ -5056,7 +6572,7 @@
         <p:spPr>
           <a:xfrm>
             <a:off x="1624459" y="4941168"/>
-            <a:ext cx="5957625" cy="1200329"/>
+            <a:ext cx="5957625" cy="923330"/>
           </a:xfrm>
           <a:prstGeom prst="rect">
             <a:avLst/>
@@ -5075,7 +6591,9 @@
                 <a:solidFill>
                   <a:schemeClr val="bg1"/>
                 </a:solidFill>
-                <a:latin typeface="Code Pro Bold" pitchFamily="50" charset="0"/>
+                <a:latin typeface="Tahoma" pitchFamily="34" charset="0"/>
+                <a:ea typeface="Tahoma" pitchFamily="34" charset="0"/>
+                <a:cs typeface="Tahoma" pitchFamily="34" charset="0"/>
               </a:rPr>
               <a:t>В момент игры будет активирован таймер, поиска и сборки тотема. Результаты будут зашифрованы и сохранены в отдельном файле.</a:t>
             </a:r>
@@ -5083,6 +6601,9 @@
               <a:solidFill>
                 <a:schemeClr val="bg1"/>
               </a:solidFill>
+              <a:latin typeface="Tahoma" pitchFamily="34" charset="0"/>
+              <a:ea typeface="Tahoma" pitchFamily="34" charset="0"/>
+              <a:cs typeface="Tahoma" pitchFamily="34" charset="0"/>
             </a:endParaRPr>
           </a:p>
         </p:txBody>
@@ -5090,7 +6611,7 @@
     </p:spTree>
     <p:extLst>
       <p:ext uri="{BB962C8B-B14F-4D97-AF65-F5344CB8AC3E}">
-        <p14:creationId xmlns:p14="http://schemas.microsoft.com/office/powerpoint/2010/main" val="2732268664"/>
+        <p14:creationId xmlns:p14="http://schemas.microsoft.com/office/powerpoint/2010/main" xmlns="" val="2732268664"/>
       </p:ext>
     </p:extLst>
   </p:cSld>
@@ -5132,8 +6653,8 @@
         </p:nvSpPr>
         <p:spPr>
           <a:xfrm>
-            <a:off x="3032170" y="908720"/>
-            <a:ext cx="3142207" cy="769441"/>
+            <a:off x="3357554" y="857232"/>
+            <a:ext cx="2702984" cy="769441"/>
           </a:xfrm>
           <a:prstGeom prst="rect">
             <a:avLst/>
@@ -5152,7 +6673,9 @@
                 <a:solidFill>
                   <a:schemeClr val="bg1"/>
                 </a:solidFill>
-                <a:latin typeface="Code Pro Bold" pitchFamily="50" charset="0"/>
+                <a:latin typeface="Tahoma" pitchFamily="34" charset="0"/>
+                <a:ea typeface="Tahoma" pitchFamily="34" charset="0"/>
+                <a:cs typeface="Tahoma" pitchFamily="34" charset="0"/>
               </a:rPr>
               <a:t>Механика</a:t>
             </a:r>
@@ -5160,6 +6683,9 @@
               <a:solidFill>
                 <a:schemeClr val="bg1"/>
               </a:solidFill>
+              <a:latin typeface="Tahoma" pitchFamily="34" charset="0"/>
+              <a:ea typeface="Tahoma" pitchFamily="34" charset="0"/>
+              <a:cs typeface="Tahoma" pitchFamily="34" charset="0"/>
             </a:endParaRPr>
           </a:p>
         </p:txBody>
@@ -5192,7 +6718,9 @@
                 <a:solidFill>
                   <a:schemeClr val="bg1"/>
                 </a:solidFill>
-                <a:latin typeface="Code Pro Bold" pitchFamily="50" charset="0"/>
+                <a:latin typeface="Tahoma" pitchFamily="34" charset="0"/>
+                <a:ea typeface="Tahoma" pitchFamily="34" charset="0"/>
+                <a:cs typeface="Tahoma" pitchFamily="34" charset="0"/>
               </a:rPr>
               <a:t>SPACE</a:t>
             </a:r>
@@ -5201,7 +6729,9 @@
                 <a:solidFill>
                   <a:schemeClr val="bg1"/>
                 </a:solidFill>
-                <a:latin typeface="Code Pro Bold" pitchFamily="50" charset="0"/>
+                <a:latin typeface="Tahoma" pitchFamily="34" charset="0"/>
+                <a:ea typeface="Tahoma" pitchFamily="34" charset="0"/>
+                <a:cs typeface="Tahoma" pitchFamily="34" charset="0"/>
               </a:rPr>
               <a:t> – </a:t>
             </a:r>
@@ -5210,7 +6740,9 @@
                 <a:solidFill>
                   <a:schemeClr val="bg1"/>
                 </a:solidFill>
-                <a:latin typeface="Code Pro Bold" pitchFamily="50" charset="0"/>
+                <a:latin typeface="Tahoma" pitchFamily="34" charset="0"/>
+                <a:ea typeface="Tahoma" pitchFamily="34" charset="0"/>
+                <a:cs typeface="Tahoma" pitchFamily="34" charset="0"/>
               </a:rPr>
               <a:t>УДАЛИТЬ 4 КЛЕТКИ ОТ СЕБЯ</a:t>
             </a:r>
@@ -5219,7 +6751,9 @@
                 <a:solidFill>
                   <a:schemeClr val="bg1"/>
                 </a:solidFill>
-                <a:latin typeface="Code Pro Bold" pitchFamily="50" charset="0"/>
+                <a:latin typeface="Tahoma" pitchFamily="34" charset="0"/>
+                <a:ea typeface="Tahoma" pitchFamily="34" charset="0"/>
+                <a:cs typeface="Tahoma" pitchFamily="34" charset="0"/>
               </a:rPr>
               <a:t> </a:t>
             </a:r>
@@ -5228,7 +6762,9 @@
                 <a:solidFill>
                   <a:schemeClr val="bg1"/>
                 </a:solidFill>
-                <a:latin typeface="Code Pro Bold" pitchFamily="50" charset="0"/>
+                <a:latin typeface="Tahoma" pitchFamily="34" charset="0"/>
+                <a:ea typeface="Tahoma" pitchFamily="34" charset="0"/>
+                <a:cs typeface="Tahoma" pitchFamily="34" charset="0"/>
               </a:rPr>
               <a:t>и под собой</a:t>
             </a:r>
@@ -5236,6 +6772,9 @@
               <a:solidFill>
                 <a:schemeClr val="bg1"/>
               </a:solidFill>
+              <a:latin typeface="Tahoma" pitchFamily="34" charset="0"/>
+              <a:ea typeface="Tahoma" pitchFamily="34" charset="0"/>
+              <a:cs typeface="Tahoma" pitchFamily="34" charset="0"/>
             </a:endParaRPr>
           </a:p>
           <a:p>
@@ -5245,7 +6784,9 @@
                 <a:solidFill>
                   <a:schemeClr val="bg1"/>
                 </a:solidFill>
-                <a:latin typeface="Code Pro Bold" pitchFamily="50" charset="0"/>
+                <a:latin typeface="Tahoma" pitchFamily="34" charset="0"/>
+                <a:ea typeface="Tahoma" pitchFamily="34" charset="0"/>
+                <a:cs typeface="Tahoma" pitchFamily="34" charset="0"/>
               </a:rPr>
               <a:t>(Под любым природным объектом можно найти составляющие тотема)</a:t>
             </a:r>
@@ -5264,7 +6805,7 @@
           <a:blip r:embed="rId2" cstate="print">
             <a:extLst>
               <a:ext uri="{28A0092B-C50C-407E-A947-70E740481C1C}">
-                <a14:useLocalDpi xmlns:a14="http://schemas.microsoft.com/office/drawing/2010/main" val="0"/>
+                <a14:useLocalDpi xmlns:a14="http://schemas.microsoft.com/office/drawing/2010/main" xmlns="" val="0"/>
               </a:ext>
             </a:extLst>
           </a:blip>
@@ -5288,14 +6829,14 @@
           <a:effectLst/>
           <a:extLst>
             <a:ext uri="{909E8E84-426E-40DD-AFC4-6F175D3DCCD1}">
-              <a14:hiddenFill xmlns:a14="http://schemas.microsoft.com/office/drawing/2010/main">
+              <a14:hiddenFill xmlns:a14="http://schemas.microsoft.com/office/drawing/2010/main" xmlns="">
                 <a:solidFill>
                   <a:schemeClr val="accent1"/>
                 </a:solidFill>
               </a14:hiddenFill>
             </a:ext>
             <a:ext uri="{91240B29-F687-4F45-9708-019B960494DF}">
-              <a14:hiddenLine xmlns:a14="http://schemas.microsoft.com/office/drawing/2010/main" w="9525">
+              <a14:hiddenLine xmlns:a14="http://schemas.microsoft.com/office/drawing/2010/main" xmlns="" w="9525">
                 <a:solidFill>
                   <a:schemeClr val="tx1"/>
                 </a:solidFill>
@@ -5305,7 +6846,7 @@
               </a14:hiddenLine>
             </a:ext>
             <a:ext uri="{AF507438-7753-43E0-B8FC-AC1667EBCBE1}">
-              <a14:hiddenEffects xmlns:a14="http://schemas.microsoft.com/office/drawing/2010/main">
+              <a14:hiddenEffects xmlns:a14="http://schemas.microsoft.com/office/drawing/2010/main" xmlns="">
                 <a:effectLst>
                   <a:outerShdw dist="35921" dir="2700000" algn="ctr" rotWithShape="0">
                     <a:schemeClr val="bg2"/>
@@ -5324,8 +6865,8 @@
         </p:nvSpPr>
         <p:spPr>
           <a:xfrm>
-            <a:off x="4327216" y="1859674"/>
-            <a:ext cx="572594" cy="769441"/>
+            <a:off x="4357686" y="1857364"/>
+            <a:ext cx="463588" cy="769441"/>
           </a:xfrm>
           <a:prstGeom prst="rect">
             <a:avLst/>
@@ -5344,7 +6885,9 @@
                 <a:solidFill>
                   <a:schemeClr val="bg1"/>
                 </a:solidFill>
-                <a:latin typeface="Code Pro Bold" pitchFamily="50" charset="0"/>
+                <a:latin typeface="Tahoma" pitchFamily="34" charset="0"/>
+                <a:ea typeface="Tahoma" pitchFamily="34" charset="0"/>
+                <a:cs typeface="Tahoma" pitchFamily="34" charset="0"/>
               </a:rPr>
               <a:t>x</a:t>
             </a:r>
@@ -5352,6 +6895,9 @@
               <a:solidFill>
                 <a:schemeClr val="bg1"/>
               </a:solidFill>
+              <a:latin typeface="Tahoma" pitchFamily="34" charset="0"/>
+              <a:ea typeface="Tahoma" pitchFamily="34" charset="0"/>
+              <a:cs typeface="Tahoma" pitchFamily="34" charset="0"/>
             </a:endParaRPr>
           </a:p>
         </p:txBody>
@@ -5364,8 +6910,8 @@
         </p:nvSpPr>
         <p:spPr>
           <a:xfrm>
-            <a:off x="4327216" y="4025374"/>
-            <a:ext cx="572594" cy="769441"/>
+            <a:off x="4429124" y="4071942"/>
+            <a:ext cx="463588" cy="769441"/>
           </a:xfrm>
           <a:prstGeom prst="rect">
             <a:avLst/>
@@ -5384,7 +6930,9 @@
                 <a:solidFill>
                   <a:schemeClr val="bg1"/>
                 </a:solidFill>
-                <a:latin typeface="Code Pro Bold" pitchFamily="50" charset="0"/>
+                <a:latin typeface="Tahoma" pitchFamily="34" charset="0"/>
+                <a:ea typeface="Tahoma" pitchFamily="34" charset="0"/>
+                <a:cs typeface="Tahoma" pitchFamily="34" charset="0"/>
               </a:rPr>
               <a:t>x</a:t>
             </a:r>
@@ -5392,6 +6940,9 @@
               <a:solidFill>
                 <a:schemeClr val="bg1"/>
               </a:solidFill>
+              <a:latin typeface="Tahoma" pitchFamily="34" charset="0"/>
+              <a:ea typeface="Tahoma" pitchFamily="34" charset="0"/>
+              <a:cs typeface="Tahoma" pitchFamily="34" charset="0"/>
             </a:endParaRPr>
           </a:p>
         </p:txBody>
@@ -5405,7 +6956,7 @@
         <p:spPr>
           <a:xfrm>
             <a:off x="5316829" y="2965747"/>
-            <a:ext cx="572594" cy="769441"/>
+            <a:ext cx="466794" cy="769441"/>
           </a:xfrm>
           <a:prstGeom prst="rect">
             <a:avLst/>
@@ -5424,7 +6975,8 @@
                 <a:solidFill>
                   <a:schemeClr val="bg1"/>
                 </a:solidFill>
-                <a:latin typeface="Code Pro Bold" pitchFamily="50" charset="0"/>
+                <a:latin typeface="Arial" pitchFamily="34" charset="0"/>
+                <a:cs typeface="Arial" pitchFamily="34" charset="0"/>
               </a:rPr>
               <a:t>x</a:t>
             </a:r>
@@ -5432,6 +6984,8 @@
               <a:solidFill>
                 <a:schemeClr val="bg1"/>
               </a:solidFill>
+              <a:latin typeface="Arial" pitchFamily="34" charset="0"/>
+              <a:cs typeface="Arial" pitchFamily="34" charset="0"/>
             </a:endParaRPr>
           </a:p>
         </p:txBody>
@@ -5445,7 +6999,7 @@
         <p:spPr>
           <a:xfrm>
             <a:off x="3338936" y="2967058"/>
-            <a:ext cx="572594" cy="769441"/>
+            <a:ext cx="463588" cy="769441"/>
           </a:xfrm>
           <a:prstGeom prst="rect">
             <a:avLst/>
@@ -5464,7 +7018,9 @@
                 <a:solidFill>
                   <a:schemeClr val="bg1"/>
                 </a:solidFill>
-                <a:latin typeface="Code Pro Bold" pitchFamily="50" charset="0"/>
+                <a:latin typeface="Tahoma" pitchFamily="34" charset="0"/>
+                <a:ea typeface="Tahoma" pitchFamily="34" charset="0"/>
+                <a:cs typeface="Tahoma" pitchFamily="34" charset="0"/>
               </a:rPr>
               <a:t>x</a:t>
             </a:r>
@@ -5472,6 +7028,9 @@
               <a:solidFill>
                 <a:schemeClr val="bg1"/>
               </a:solidFill>
+              <a:latin typeface="Tahoma" pitchFamily="34" charset="0"/>
+              <a:ea typeface="Tahoma" pitchFamily="34" charset="0"/>
+              <a:cs typeface="Tahoma" pitchFamily="34" charset="0"/>
             </a:endParaRPr>
           </a:p>
         </p:txBody>
@@ -5479,7 +7038,7 @@
     </p:spTree>
     <p:extLst>
       <p:ext uri="{BB962C8B-B14F-4D97-AF65-F5344CB8AC3E}">
-        <p14:creationId xmlns:p14="http://schemas.microsoft.com/office/powerpoint/2010/main" val="1880574686"/>
+        <p14:creationId xmlns:p14="http://schemas.microsoft.com/office/powerpoint/2010/main" xmlns="" val="1880574686"/>
       </p:ext>
     </p:extLst>
   </p:cSld>
@@ -5521,8 +7080,8 @@
         </p:nvSpPr>
         <p:spPr>
           <a:xfrm>
-            <a:off x="3032170" y="908720"/>
-            <a:ext cx="3142207" cy="769441"/>
+            <a:off x="3214678" y="857232"/>
+            <a:ext cx="2702984" cy="769441"/>
           </a:xfrm>
           <a:prstGeom prst="rect">
             <a:avLst/>
@@ -5541,7 +7100,9 @@
                 <a:solidFill>
                   <a:schemeClr val="bg1"/>
                 </a:solidFill>
-                <a:latin typeface="Code Pro Bold" pitchFamily="50" charset="0"/>
+                <a:latin typeface="Tahoma" pitchFamily="34" charset="0"/>
+                <a:ea typeface="Tahoma" pitchFamily="34" charset="0"/>
+                <a:cs typeface="Tahoma" pitchFamily="34" charset="0"/>
               </a:rPr>
               <a:t>Механика</a:t>
             </a:r>
@@ -5549,6 +7110,9 @@
               <a:solidFill>
                 <a:schemeClr val="bg1"/>
               </a:solidFill>
+              <a:latin typeface="Tahoma" pitchFamily="34" charset="0"/>
+              <a:ea typeface="Tahoma" pitchFamily="34" charset="0"/>
+              <a:cs typeface="Tahoma" pitchFamily="34" charset="0"/>
             </a:endParaRPr>
           </a:p>
         </p:txBody>
@@ -5581,7 +7145,9 @@
                 <a:solidFill>
                   <a:schemeClr val="bg1"/>
                 </a:solidFill>
-                <a:latin typeface="Code Pro Bold" pitchFamily="50" charset="0"/>
+                <a:latin typeface="Tahoma" pitchFamily="34" charset="0"/>
+                <a:ea typeface="Tahoma" pitchFamily="34" charset="0"/>
+                <a:cs typeface="Tahoma" pitchFamily="34" charset="0"/>
               </a:rPr>
               <a:t>Живые существа в игре</a:t>
             </a:r>
@@ -5589,7 +7155,9 @@
               <a:solidFill>
                 <a:schemeClr val="bg1"/>
               </a:solidFill>
-              <a:latin typeface="Code Pro Bold" pitchFamily="50" charset="0"/>
+              <a:latin typeface="Tahoma" pitchFamily="34" charset="0"/>
+              <a:ea typeface="Tahoma" pitchFamily="34" charset="0"/>
+              <a:cs typeface="Tahoma" pitchFamily="34" charset="0"/>
             </a:endParaRPr>
           </a:p>
         </p:txBody>
@@ -5606,7 +7174,7 @@
           <a:blip r:embed="rId2" cstate="print">
             <a:extLst>
               <a:ext uri="{28A0092B-C50C-407E-A947-70E740481C1C}">
-                <a14:useLocalDpi xmlns:a14="http://schemas.microsoft.com/office/drawing/2010/main" val="0"/>
+                <a14:useLocalDpi xmlns:a14="http://schemas.microsoft.com/office/drawing/2010/main" xmlns="" val="0"/>
               </a:ext>
             </a:extLst>
           </a:blip>
@@ -5630,14 +7198,14 @@
           <a:effectLst/>
           <a:extLst>
             <a:ext uri="{909E8E84-426E-40DD-AFC4-6F175D3DCCD1}">
-              <a14:hiddenFill xmlns:a14="http://schemas.microsoft.com/office/drawing/2010/main">
+              <a14:hiddenFill xmlns:a14="http://schemas.microsoft.com/office/drawing/2010/main" xmlns="">
                 <a:solidFill>
                   <a:schemeClr val="accent1"/>
                 </a:solidFill>
               </a14:hiddenFill>
             </a:ext>
             <a:ext uri="{91240B29-F687-4F45-9708-019B960494DF}">
-              <a14:hiddenLine xmlns:a14="http://schemas.microsoft.com/office/drawing/2010/main" w="9525">
+              <a14:hiddenLine xmlns:a14="http://schemas.microsoft.com/office/drawing/2010/main" xmlns="" w="9525">
                 <a:solidFill>
                   <a:schemeClr val="tx1"/>
                 </a:solidFill>
@@ -5647,7 +7215,7 @@
               </a14:hiddenLine>
             </a:ext>
             <a:ext uri="{AF507438-7753-43E0-B8FC-AC1667EBCBE1}">
-              <a14:hiddenEffects xmlns:a14="http://schemas.microsoft.com/office/drawing/2010/main">
+              <a14:hiddenEffects xmlns:a14="http://schemas.microsoft.com/office/drawing/2010/main" xmlns="">
                 <a:effectLst>
                   <a:outerShdw dist="35921" dir="2700000" algn="ctr" rotWithShape="0">
                     <a:schemeClr val="bg2"/>
@@ -5670,7 +7238,7 @@
           <a:blip r:embed="rId3" cstate="print">
             <a:extLst>
               <a:ext uri="{28A0092B-C50C-407E-A947-70E740481C1C}">
-                <a14:useLocalDpi xmlns:a14="http://schemas.microsoft.com/office/drawing/2010/main" val="0"/>
+                <a14:useLocalDpi xmlns:a14="http://schemas.microsoft.com/office/drawing/2010/main" xmlns="" val="0"/>
               </a:ext>
             </a:extLst>
           </a:blip>
@@ -5694,14 +7262,14 @@
           <a:effectLst/>
           <a:extLst>
             <a:ext uri="{909E8E84-426E-40DD-AFC4-6F175D3DCCD1}">
-              <a14:hiddenFill xmlns:a14="http://schemas.microsoft.com/office/drawing/2010/main">
+              <a14:hiddenFill xmlns:a14="http://schemas.microsoft.com/office/drawing/2010/main" xmlns="">
                 <a:solidFill>
                   <a:schemeClr val="accent1"/>
                 </a:solidFill>
               </a14:hiddenFill>
             </a:ext>
             <a:ext uri="{91240B29-F687-4F45-9708-019B960494DF}">
-              <a14:hiddenLine xmlns:a14="http://schemas.microsoft.com/office/drawing/2010/main" w="9525">
+              <a14:hiddenLine xmlns:a14="http://schemas.microsoft.com/office/drawing/2010/main" xmlns="" w="9525">
                 <a:solidFill>
                   <a:schemeClr val="tx1"/>
                 </a:solidFill>
@@ -5711,7 +7279,7 @@
               </a14:hiddenLine>
             </a:ext>
             <a:ext uri="{AF507438-7753-43E0-B8FC-AC1667EBCBE1}">
-              <a14:hiddenEffects xmlns:a14="http://schemas.microsoft.com/office/drawing/2010/main">
+              <a14:hiddenEffects xmlns:a14="http://schemas.microsoft.com/office/drawing/2010/main" xmlns="">
                 <a:effectLst>
                   <a:outerShdw dist="35921" dir="2700000" algn="ctr" rotWithShape="0">
                     <a:schemeClr val="bg2"/>
@@ -5731,7 +7299,7 @@
         <p:spPr>
           <a:xfrm>
             <a:off x="1592185" y="5157192"/>
-            <a:ext cx="5957625" cy="369332"/>
+            <a:ext cx="5957625" cy="923330"/>
           </a:xfrm>
           <a:prstGeom prst="rect">
             <a:avLst/>
@@ -5750,15 +7318,71 @@
                 <a:solidFill>
                   <a:schemeClr val="bg1"/>
                 </a:solidFill>
-                <a:latin typeface="Code Pro Bold" pitchFamily="50" charset="0"/>
-              </a:rPr>
-              <a:t>Коровы - ваши потенциальные жертвы</a:t>
+                <a:latin typeface="Tahoma" pitchFamily="34" charset="0"/>
+                <a:ea typeface="Tahoma" pitchFamily="34" charset="0"/>
+                <a:cs typeface="Tahoma" pitchFamily="34" charset="0"/>
+              </a:rPr>
+              <a:t>Коровы - ваши потенциальные </a:t>
+            </a:r>
+            <a:r>
+              <a:rPr lang="ru-RU" dirty="0" smtClean="0">
+                <a:solidFill>
+                  <a:schemeClr val="bg1"/>
+                </a:solidFill>
+                <a:latin typeface="Tahoma" pitchFamily="34" charset="0"/>
+                <a:ea typeface="Tahoma" pitchFamily="34" charset="0"/>
+                <a:cs typeface="Tahoma" pitchFamily="34" charset="0"/>
+              </a:rPr>
+              <a:t>жертвы</a:t>
+            </a:r>
+            <a:br>
+              <a:rPr lang="ru-RU" dirty="0" smtClean="0">
+                <a:solidFill>
+                  <a:schemeClr val="bg1"/>
+                </a:solidFill>
+                <a:latin typeface="Tahoma" pitchFamily="34" charset="0"/>
+                <a:ea typeface="Tahoma" pitchFamily="34" charset="0"/>
+                <a:cs typeface="Tahoma" pitchFamily="34" charset="0"/>
+              </a:rPr>
+            </a:br>
+            <a:r>
+              <a:rPr lang="ru-RU" dirty="0" smtClean="0">
+                <a:solidFill>
+                  <a:schemeClr val="tx1">
+                    <a:lumMod val="50000"/>
+                    <a:lumOff val="50000"/>
+                  </a:schemeClr>
+                </a:solidFill>
+                <a:latin typeface="Tahoma" pitchFamily="34" charset="0"/>
+                <a:ea typeface="Tahoma" pitchFamily="34" charset="0"/>
+                <a:cs typeface="Tahoma" pitchFamily="34" charset="0"/>
+              </a:rPr>
+              <a:t>(</a:t>
+            </a:r>
+            <a:r>
+              <a:rPr lang="ru-RU" dirty="0" smtClean="0">
+                <a:solidFill>
+                  <a:schemeClr val="tx1">
+                    <a:lumMod val="50000"/>
+                    <a:lumOff val="50000"/>
+                  </a:schemeClr>
+                </a:solidFill>
+                <a:latin typeface="Tahoma" pitchFamily="34" charset="0"/>
+                <a:ea typeface="Tahoma" pitchFamily="34" charset="0"/>
+                <a:cs typeface="Tahoma" pitchFamily="34" charset="0"/>
+              </a:rPr>
+              <a:t>возможно раньше она вам задавала домашнее задание, но это только предположение)</a:t>
             </a:r>
             <a:endParaRPr lang="ru-RU" sz="1100" dirty="0" smtClean="0">
               <a:solidFill>
-                <a:schemeClr val="bg1"/>
+                <a:schemeClr val="tx1">
+                  <a:lumMod val="50000"/>
+                  <a:lumOff val="50000"/>
+                </a:schemeClr>
               </a:solidFill>
-              <a:latin typeface="Code Pro Bold" pitchFamily="50" charset="0"/>
+              <a:latin typeface="Tahoma" pitchFamily="34" charset="0"/>
+              <a:ea typeface="Tahoma" pitchFamily="34" charset="0"/>
+              <a:cs typeface="Tahoma" pitchFamily="34" charset="0"/>
             </a:endParaRPr>
           </a:p>
         </p:txBody>
@@ -5766,7 +7390,7 @@
     </p:spTree>
     <p:extLst>
       <p:ext uri="{BB962C8B-B14F-4D97-AF65-F5344CB8AC3E}">
-        <p14:creationId xmlns:p14="http://schemas.microsoft.com/office/powerpoint/2010/main" val="2639133005"/>
+        <p14:creationId xmlns:p14="http://schemas.microsoft.com/office/powerpoint/2010/main" xmlns="" val="2639133005"/>
       </p:ext>
     </p:extLst>
   </p:cSld>
@@ -5808,8 +7432,8 @@
         </p:nvSpPr>
         <p:spPr>
           <a:xfrm>
-            <a:off x="2978470" y="908720"/>
-            <a:ext cx="3249608" cy="769441"/>
+            <a:off x="3143240" y="857232"/>
+            <a:ext cx="2945037" cy="769441"/>
           </a:xfrm>
           <a:prstGeom prst="rect">
             <a:avLst/>
@@ -5828,7 +7452,9 @@
                 <a:solidFill>
                   <a:schemeClr val="bg1"/>
                 </a:solidFill>
-                <a:latin typeface="Code Pro Bold" pitchFamily="50" charset="0"/>
+                <a:latin typeface="Tahoma" pitchFamily="34" charset="0"/>
+                <a:ea typeface="Tahoma" pitchFamily="34" charset="0"/>
+                <a:cs typeface="Tahoma" pitchFamily="34" charset="0"/>
               </a:rPr>
               <a:t>Инвентарь</a:t>
             </a:r>
@@ -5836,6 +7462,9 @@
               <a:solidFill>
                 <a:schemeClr val="bg1"/>
               </a:solidFill>
+              <a:latin typeface="Tahoma" pitchFamily="34" charset="0"/>
+              <a:ea typeface="Tahoma" pitchFamily="34" charset="0"/>
+              <a:cs typeface="Tahoma" pitchFamily="34" charset="0"/>
             </a:endParaRPr>
           </a:p>
         </p:txBody>
@@ -5852,7 +7481,7 @@
           <a:blip r:embed="rId2" cstate="print">
             <a:extLst>
               <a:ext uri="{28A0092B-C50C-407E-A947-70E740481C1C}">
-                <a14:useLocalDpi xmlns:a14="http://schemas.microsoft.com/office/drawing/2010/main" val="0"/>
+                <a14:useLocalDpi xmlns:a14="http://schemas.microsoft.com/office/drawing/2010/main" xmlns="" val="0"/>
               </a:ext>
             </a:extLst>
           </a:blip>
@@ -5876,14 +7505,14 @@
           <a:effectLst/>
           <a:extLst>
             <a:ext uri="{909E8E84-426E-40DD-AFC4-6F175D3DCCD1}">
-              <a14:hiddenFill xmlns:a14="http://schemas.microsoft.com/office/drawing/2010/main">
+              <a14:hiddenFill xmlns:a14="http://schemas.microsoft.com/office/drawing/2010/main" xmlns="">
                 <a:solidFill>
                   <a:schemeClr val="accent1"/>
                 </a:solidFill>
               </a14:hiddenFill>
             </a:ext>
             <a:ext uri="{91240B29-F687-4F45-9708-019B960494DF}">
-              <a14:hiddenLine xmlns:a14="http://schemas.microsoft.com/office/drawing/2010/main" w="9525">
+              <a14:hiddenLine xmlns:a14="http://schemas.microsoft.com/office/drawing/2010/main" xmlns="" w="9525">
                 <a:solidFill>
                   <a:schemeClr val="tx1"/>
                 </a:solidFill>
@@ -5893,7 +7522,7 @@
               </a14:hiddenLine>
             </a:ext>
             <a:ext uri="{AF507438-7753-43E0-B8FC-AC1667EBCBE1}">
-              <a14:hiddenEffects xmlns:a14="http://schemas.microsoft.com/office/drawing/2010/main">
+              <a14:hiddenEffects xmlns:a14="http://schemas.microsoft.com/office/drawing/2010/main" xmlns="">
                 <a:effectLst>
                   <a:outerShdw dist="35921" dir="2700000" algn="ctr" rotWithShape="0">
                     <a:schemeClr val="bg2"/>
@@ -5916,7 +7545,7 @@
           <a:blip r:embed="rId3" cstate="print">
             <a:extLst>
               <a:ext uri="{28A0092B-C50C-407E-A947-70E740481C1C}">
-                <a14:useLocalDpi xmlns:a14="http://schemas.microsoft.com/office/drawing/2010/main" val="0"/>
+                <a14:useLocalDpi xmlns:a14="http://schemas.microsoft.com/office/drawing/2010/main" xmlns="" val="0"/>
               </a:ext>
             </a:extLst>
           </a:blip>
@@ -5940,14 +7569,14 @@
           <a:effectLst/>
           <a:extLst>
             <a:ext uri="{909E8E84-426E-40DD-AFC4-6F175D3DCCD1}">
-              <a14:hiddenFill xmlns:a14="http://schemas.microsoft.com/office/drawing/2010/main">
+              <a14:hiddenFill xmlns:a14="http://schemas.microsoft.com/office/drawing/2010/main" xmlns="">
                 <a:solidFill>
                   <a:schemeClr val="accent1"/>
                 </a:solidFill>
               </a14:hiddenFill>
             </a:ext>
             <a:ext uri="{91240B29-F687-4F45-9708-019B960494DF}">
-              <a14:hiddenLine xmlns:a14="http://schemas.microsoft.com/office/drawing/2010/main" w="9525">
+              <a14:hiddenLine xmlns:a14="http://schemas.microsoft.com/office/drawing/2010/main" xmlns="" w="9525">
                 <a:solidFill>
                   <a:schemeClr val="tx1"/>
                 </a:solidFill>
@@ -5957,7 +7586,7 @@
               </a14:hiddenLine>
             </a:ext>
             <a:ext uri="{AF507438-7753-43E0-B8FC-AC1667EBCBE1}">
-              <a14:hiddenEffects xmlns:a14="http://schemas.microsoft.com/office/drawing/2010/main">
+              <a14:hiddenEffects xmlns:a14="http://schemas.microsoft.com/office/drawing/2010/main" xmlns="">
                 <a:effectLst>
                   <a:outerShdw dist="35921" dir="2700000" algn="ctr" rotWithShape="0">
                     <a:schemeClr val="bg2"/>
@@ -5996,7 +7625,9 @@
                 <a:solidFill>
                   <a:schemeClr val="bg1"/>
                 </a:solidFill>
-                <a:latin typeface="Code Pro Bold" pitchFamily="50" charset="0"/>
+                <a:latin typeface="Tahoma" pitchFamily="34" charset="0"/>
+                <a:ea typeface="Tahoma" pitchFamily="34" charset="0"/>
+                <a:cs typeface="Tahoma" pitchFamily="34" charset="0"/>
               </a:rPr>
               <a:t>ТОПОР</a:t>
             </a:r>
@@ -6004,6 +7635,9 @@
               <a:solidFill>
                 <a:schemeClr val="bg1"/>
               </a:solidFill>
+              <a:latin typeface="Tahoma" pitchFamily="34" charset="0"/>
+              <a:ea typeface="Tahoma" pitchFamily="34" charset="0"/>
+              <a:cs typeface="Tahoma" pitchFamily="34" charset="0"/>
             </a:endParaRPr>
           </a:p>
         </p:txBody>
@@ -6036,7 +7670,9 @@
                 <a:solidFill>
                   <a:schemeClr val="bg1"/>
                 </a:solidFill>
-                <a:latin typeface="Code Pro Bold" pitchFamily="50" charset="0"/>
+                <a:latin typeface="Tahoma" pitchFamily="34" charset="0"/>
+                <a:ea typeface="Tahoma" pitchFamily="34" charset="0"/>
+                <a:cs typeface="Tahoma" pitchFamily="34" charset="0"/>
               </a:rPr>
               <a:t>НОЖНИЦЫ</a:t>
             </a:r>
@@ -6044,6 +7680,9 @@
               <a:solidFill>
                 <a:schemeClr val="bg1"/>
               </a:solidFill>
+              <a:latin typeface="Tahoma" pitchFamily="34" charset="0"/>
+              <a:ea typeface="Tahoma" pitchFamily="34" charset="0"/>
+              <a:cs typeface="Tahoma" pitchFamily="34" charset="0"/>
             </a:endParaRPr>
           </a:p>
         </p:txBody>
@@ -6076,7 +7715,9 @@
                 <a:solidFill>
                   <a:schemeClr val="bg1"/>
                 </a:solidFill>
-                <a:latin typeface="Code Pro Bold" pitchFamily="50" charset="0"/>
+                <a:latin typeface="Tahoma" pitchFamily="34" charset="0"/>
+                <a:ea typeface="Tahoma" pitchFamily="34" charset="0"/>
+                <a:cs typeface="Tahoma" pitchFamily="34" charset="0"/>
               </a:rPr>
               <a:t>+УБИВАЕТ ЛЮБОЕ СУЩЕСТВО В ИГРЕ</a:t>
             </a:r>
@@ -6084,6 +7725,9 @@
               <a:solidFill>
                 <a:schemeClr val="bg1"/>
               </a:solidFill>
+              <a:latin typeface="Tahoma" pitchFamily="34" charset="0"/>
+              <a:ea typeface="Tahoma" pitchFamily="34" charset="0"/>
+              <a:cs typeface="Tahoma" pitchFamily="34" charset="0"/>
             </a:endParaRPr>
           </a:p>
         </p:txBody>
@@ -6116,7 +7760,9 @@
                 <a:solidFill>
                   <a:schemeClr val="bg1"/>
                 </a:solidFill>
-                <a:latin typeface="Code Pro Bold" pitchFamily="50" charset="0"/>
+                <a:latin typeface="Tahoma" pitchFamily="34" charset="0"/>
+                <a:ea typeface="Tahoma" pitchFamily="34" charset="0"/>
+                <a:cs typeface="Tahoma" pitchFamily="34" charset="0"/>
               </a:rPr>
               <a:t>+ Наносит 2 </a:t>
             </a:r>
@@ -6125,7 +7771,9 @@
                 <a:solidFill>
                   <a:schemeClr val="bg1"/>
                 </a:solidFill>
-                <a:latin typeface="Code Pro Bold" pitchFamily="50" charset="0"/>
+                <a:latin typeface="Tahoma" pitchFamily="34" charset="0"/>
+                <a:ea typeface="Tahoma" pitchFamily="34" charset="0"/>
+                <a:cs typeface="Tahoma" pitchFamily="34" charset="0"/>
               </a:rPr>
               <a:t>ед.урона</a:t>
             </a:r>
@@ -6133,6 +7781,9 @@
               <a:solidFill>
                 <a:schemeClr val="bg1"/>
               </a:solidFill>
+              <a:latin typeface="Tahoma" pitchFamily="34" charset="0"/>
+              <a:ea typeface="Tahoma" pitchFamily="34" charset="0"/>
+              <a:cs typeface="Tahoma" pitchFamily="34" charset="0"/>
             </a:endParaRPr>
           </a:p>
         </p:txBody>
@@ -6165,7 +7816,9 @@
                 <a:solidFill>
                   <a:schemeClr val="bg1"/>
                 </a:solidFill>
-                <a:latin typeface="Code Pro Bold" pitchFamily="50" charset="0"/>
+                <a:latin typeface="Tahoma" pitchFamily="34" charset="0"/>
+                <a:ea typeface="Tahoma" pitchFamily="34" charset="0"/>
+                <a:cs typeface="Tahoma" pitchFamily="34" charset="0"/>
               </a:rPr>
               <a:t>+ Наносит 1 </a:t>
             </a:r>
@@ -6174,7 +7827,9 @@
                 <a:solidFill>
                   <a:schemeClr val="bg1"/>
                 </a:solidFill>
-                <a:latin typeface="Code Pro Bold" pitchFamily="50" charset="0"/>
+                <a:latin typeface="Tahoma" pitchFamily="34" charset="0"/>
+                <a:ea typeface="Tahoma" pitchFamily="34" charset="0"/>
+                <a:cs typeface="Tahoma" pitchFamily="34" charset="0"/>
               </a:rPr>
               <a:t>ед.урона</a:t>
             </a:r>
@@ -6182,6 +7837,9 @@
               <a:solidFill>
                 <a:schemeClr val="bg1"/>
               </a:solidFill>
+              <a:latin typeface="Tahoma" pitchFamily="34" charset="0"/>
+              <a:ea typeface="Tahoma" pitchFamily="34" charset="0"/>
+              <a:cs typeface="Tahoma" pitchFamily="34" charset="0"/>
             </a:endParaRPr>
           </a:p>
         </p:txBody>
@@ -6214,7 +7872,9 @@
                 <a:solidFill>
                   <a:schemeClr val="bg1"/>
                 </a:solidFill>
-                <a:latin typeface="Code Pro Bold" pitchFamily="50" charset="0"/>
+                <a:latin typeface="Tahoma" pitchFamily="34" charset="0"/>
+                <a:ea typeface="Tahoma" pitchFamily="34" charset="0"/>
+                <a:cs typeface="Tahoma" pitchFamily="34" charset="0"/>
               </a:rPr>
               <a:t>Выпадает после убийства</a:t>
             </a:r>
@@ -6222,6 +7882,9 @@
               <a:solidFill>
                 <a:schemeClr val="bg1"/>
               </a:solidFill>
+              <a:latin typeface="Tahoma" pitchFamily="34" charset="0"/>
+              <a:ea typeface="Tahoma" pitchFamily="34" charset="0"/>
+              <a:cs typeface="Tahoma" pitchFamily="34" charset="0"/>
             </a:endParaRPr>
           </a:p>
         </p:txBody>
@@ -6238,7 +7901,7 @@
           <a:blip r:embed="rId4" cstate="print">
             <a:extLst>
               <a:ext uri="{28A0092B-C50C-407E-A947-70E740481C1C}">
-                <a14:useLocalDpi xmlns:a14="http://schemas.microsoft.com/office/drawing/2010/main" val="0"/>
+                <a14:useLocalDpi xmlns:a14="http://schemas.microsoft.com/office/drawing/2010/main" xmlns="" val="0"/>
               </a:ext>
             </a:extLst>
           </a:blip>
@@ -6262,14 +7925,14 @@
           <a:effectLst/>
           <a:extLst>
             <a:ext uri="{909E8E84-426E-40DD-AFC4-6F175D3DCCD1}">
-              <a14:hiddenFill xmlns:a14="http://schemas.microsoft.com/office/drawing/2010/main">
+              <a14:hiddenFill xmlns:a14="http://schemas.microsoft.com/office/drawing/2010/main" xmlns="">
                 <a:solidFill>
                   <a:schemeClr val="accent1"/>
                 </a:solidFill>
               </a14:hiddenFill>
             </a:ext>
             <a:ext uri="{91240B29-F687-4F45-9708-019B960494DF}">
-              <a14:hiddenLine xmlns:a14="http://schemas.microsoft.com/office/drawing/2010/main" w="9525">
+              <a14:hiddenLine xmlns:a14="http://schemas.microsoft.com/office/drawing/2010/main" xmlns="" w="9525">
                 <a:solidFill>
                   <a:schemeClr val="tx1"/>
                 </a:solidFill>
@@ -6279,7 +7942,7 @@
               </a14:hiddenLine>
             </a:ext>
             <a:ext uri="{AF507438-7753-43E0-B8FC-AC1667EBCBE1}">
-              <a14:hiddenEffects xmlns:a14="http://schemas.microsoft.com/office/drawing/2010/main">
+              <a14:hiddenEffects xmlns:a14="http://schemas.microsoft.com/office/drawing/2010/main" xmlns="">
                 <a:effectLst>
                   <a:outerShdw dist="35921" dir="2700000" algn="ctr" rotWithShape="0">
                     <a:schemeClr val="bg2"/>
@@ -6302,7 +7965,7 @@
           <a:blip r:embed="rId5" cstate="print">
             <a:extLst>
               <a:ext uri="{28A0092B-C50C-407E-A947-70E740481C1C}">
-                <a14:useLocalDpi xmlns:a14="http://schemas.microsoft.com/office/drawing/2010/main" val="0"/>
+                <a14:useLocalDpi xmlns:a14="http://schemas.microsoft.com/office/drawing/2010/main" xmlns="" val="0"/>
               </a:ext>
             </a:extLst>
           </a:blip>
@@ -6326,14 +7989,14 @@
           <a:effectLst/>
           <a:extLst>
             <a:ext uri="{909E8E84-426E-40DD-AFC4-6F175D3DCCD1}">
-              <a14:hiddenFill xmlns:a14="http://schemas.microsoft.com/office/drawing/2010/main">
+              <a14:hiddenFill xmlns:a14="http://schemas.microsoft.com/office/drawing/2010/main" xmlns="">
                 <a:solidFill>
                   <a:schemeClr val="accent1"/>
                 </a:solidFill>
               </a14:hiddenFill>
             </a:ext>
             <a:ext uri="{91240B29-F687-4F45-9708-019B960494DF}">
-              <a14:hiddenLine xmlns:a14="http://schemas.microsoft.com/office/drawing/2010/main" w="9525">
+              <a14:hiddenLine xmlns:a14="http://schemas.microsoft.com/office/drawing/2010/main" xmlns="" w="9525">
                 <a:solidFill>
                   <a:schemeClr val="tx1"/>
                 </a:solidFill>
@@ -6343,7 +8006,7 @@
               </a14:hiddenLine>
             </a:ext>
             <a:ext uri="{AF507438-7753-43E0-B8FC-AC1667EBCBE1}">
-              <a14:hiddenEffects xmlns:a14="http://schemas.microsoft.com/office/drawing/2010/main">
+              <a14:hiddenEffects xmlns:a14="http://schemas.microsoft.com/office/drawing/2010/main" xmlns="">
                 <a:effectLst>
                   <a:outerShdw dist="35921" dir="2700000" algn="ctr" rotWithShape="0">
                     <a:schemeClr val="bg2"/>
@@ -6357,7 +8020,7 @@
     </p:spTree>
     <p:extLst>
       <p:ext uri="{BB962C8B-B14F-4D97-AF65-F5344CB8AC3E}">
-        <p14:creationId xmlns:p14="http://schemas.microsoft.com/office/powerpoint/2010/main" val="719199295"/>
+        <p14:creationId xmlns:p14="http://schemas.microsoft.com/office/powerpoint/2010/main" xmlns="" val="719199295"/>
       </p:ext>
     </p:extLst>
   </p:cSld>
@@ -6400,7 +8063,7 @@
         <p:spPr>
           <a:xfrm>
             <a:off x="3303882" y="908720"/>
-            <a:ext cx="2598788" cy="769441"/>
+            <a:ext cx="2670924" cy="769441"/>
           </a:xfrm>
           <a:prstGeom prst="rect">
             <a:avLst/>
@@ -6419,7 +8082,9 @@
                 <a:solidFill>
                   <a:schemeClr val="bg1"/>
                 </a:solidFill>
-                <a:latin typeface="Code Pro Bold" pitchFamily="50" charset="0"/>
+                <a:latin typeface="Tahoma" pitchFamily="34" charset="0"/>
+                <a:ea typeface="Tahoma" pitchFamily="34" charset="0"/>
+                <a:cs typeface="Tahoma" pitchFamily="34" charset="0"/>
               </a:rPr>
               <a:t>РЕЦЕПТЫ</a:t>
             </a:r>
@@ -6427,6 +8092,9 @@
               <a:solidFill>
                 <a:schemeClr val="bg1"/>
               </a:solidFill>
+              <a:latin typeface="Tahoma" pitchFamily="34" charset="0"/>
+              <a:ea typeface="Tahoma" pitchFamily="34" charset="0"/>
+              <a:cs typeface="Tahoma" pitchFamily="34" charset="0"/>
             </a:endParaRPr>
           </a:p>
         </p:txBody>
@@ -6443,7 +8111,7 @@
           <a:blip r:embed="rId2" cstate="print">
             <a:extLst>
               <a:ext uri="{28A0092B-C50C-407E-A947-70E740481C1C}">
-                <a14:useLocalDpi xmlns:a14="http://schemas.microsoft.com/office/drawing/2010/main" val="0"/>
+                <a14:useLocalDpi xmlns:a14="http://schemas.microsoft.com/office/drawing/2010/main" xmlns="" val="0"/>
               </a:ext>
             </a:extLst>
           </a:blip>
@@ -6467,14 +8135,14 @@
           <a:effectLst/>
           <a:extLst>
             <a:ext uri="{909E8E84-426E-40DD-AFC4-6F175D3DCCD1}">
-              <a14:hiddenFill xmlns:a14="http://schemas.microsoft.com/office/drawing/2010/main">
+              <a14:hiddenFill xmlns:a14="http://schemas.microsoft.com/office/drawing/2010/main" xmlns="">
                 <a:solidFill>
                   <a:schemeClr val="accent1"/>
                 </a:solidFill>
               </a14:hiddenFill>
             </a:ext>
             <a:ext uri="{91240B29-F687-4F45-9708-019B960494DF}">
-              <a14:hiddenLine xmlns:a14="http://schemas.microsoft.com/office/drawing/2010/main" w="9525">
+              <a14:hiddenLine xmlns:a14="http://schemas.microsoft.com/office/drawing/2010/main" xmlns="" w="9525">
                 <a:solidFill>
                   <a:schemeClr val="tx1"/>
                 </a:solidFill>
@@ -6484,7 +8152,7 @@
               </a14:hiddenLine>
             </a:ext>
             <a:ext uri="{AF507438-7753-43E0-B8FC-AC1667EBCBE1}">
-              <a14:hiddenEffects xmlns:a14="http://schemas.microsoft.com/office/drawing/2010/main">
+              <a14:hiddenEffects xmlns:a14="http://schemas.microsoft.com/office/drawing/2010/main" xmlns="">
                 <a:effectLst>
                   <a:outerShdw dist="35921" dir="2700000" algn="ctr" rotWithShape="0">
                     <a:schemeClr val="bg2"/>
@@ -6507,7 +8175,7 @@
           <a:blip r:embed="rId3" cstate="print">
             <a:extLst>
               <a:ext uri="{28A0092B-C50C-407E-A947-70E740481C1C}">
-                <a14:useLocalDpi xmlns:a14="http://schemas.microsoft.com/office/drawing/2010/main" val="0"/>
+                <a14:useLocalDpi xmlns:a14="http://schemas.microsoft.com/office/drawing/2010/main" xmlns="" val="0"/>
               </a:ext>
             </a:extLst>
           </a:blip>
@@ -6531,14 +8199,14 @@
           <a:effectLst/>
           <a:extLst>
             <a:ext uri="{909E8E84-426E-40DD-AFC4-6F175D3DCCD1}">
-              <a14:hiddenFill xmlns:a14="http://schemas.microsoft.com/office/drawing/2010/main">
+              <a14:hiddenFill xmlns:a14="http://schemas.microsoft.com/office/drawing/2010/main" xmlns="">
                 <a:solidFill>
                   <a:schemeClr val="accent1"/>
                 </a:solidFill>
               </a14:hiddenFill>
             </a:ext>
             <a:ext uri="{91240B29-F687-4F45-9708-019B960494DF}">
-              <a14:hiddenLine xmlns:a14="http://schemas.microsoft.com/office/drawing/2010/main" w="9525">
+              <a14:hiddenLine xmlns:a14="http://schemas.microsoft.com/office/drawing/2010/main" xmlns="" w="9525">
                 <a:solidFill>
                   <a:schemeClr val="tx1"/>
                 </a:solidFill>
@@ -6548,7 +8216,7 @@
               </a14:hiddenLine>
             </a:ext>
             <a:ext uri="{AF507438-7753-43E0-B8FC-AC1667EBCBE1}">
-              <a14:hiddenEffects xmlns:a14="http://schemas.microsoft.com/office/drawing/2010/main">
+              <a14:hiddenEffects xmlns:a14="http://schemas.microsoft.com/office/drawing/2010/main" xmlns="">
                 <a:effectLst>
                   <a:outerShdw dist="35921" dir="2700000" algn="ctr" rotWithShape="0">
                     <a:schemeClr val="bg2"/>
@@ -6731,7 +8399,7 @@
           <a:blip r:embed="rId4" cstate="print">
             <a:extLst>
               <a:ext uri="{28A0092B-C50C-407E-A947-70E740481C1C}">
-                <a14:useLocalDpi xmlns:a14="http://schemas.microsoft.com/office/drawing/2010/main" val="0"/>
+                <a14:useLocalDpi xmlns:a14="http://schemas.microsoft.com/office/drawing/2010/main" xmlns="" val="0"/>
               </a:ext>
             </a:extLst>
           </a:blip>
@@ -6755,14 +8423,14 @@
           <a:effectLst/>
           <a:extLst>
             <a:ext uri="{909E8E84-426E-40DD-AFC4-6F175D3DCCD1}">
-              <a14:hiddenFill xmlns:a14="http://schemas.microsoft.com/office/drawing/2010/main">
+              <a14:hiddenFill xmlns:a14="http://schemas.microsoft.com/office/drawing/2010/main" xmlns="">
                 <a:solidFill>
                   <a:schemeClr val="accent1"/>
                 </a:solidFill>
               </a14:hiddenFill>
             </a:ext>
             <a:ext uri="{91240B29-F687-4F45-9708-019B960494DF}">
-              <a14:hiddenLine xmlns:a14="http://schemas.microsoft.com/office/drawing/2010/main" w="9525">
+              <a14:hiddenLine xmlns:a14="http://schemas.microsoft.com/office/drawing/2010/main" xmlns="" w="9525">
                 <a:solidFill>
                   <a:schemeClr val="tx1"/>
                 </a:solidFill>
@@ -6772,7 +8440,7 @@
               </a14:hiddenLine>
             </a:ext>
             <a:ext uri="{AF507438-7753-43E0-B8FC-AC1667EBCBE1}">
-              <a14:hiddenEffects xmlns:a14="http://schemas.microsoft.com/office/drawing/2010/main">
+              <a14:hiddenEffects xmlns:a14="http://schemas.microsoft.com/office/drawing/2010/main" xmlns="">
                 <a:effectLst>
                   <a:outerShdw dist="35921" dir="2700000" algn="ctr" rotWithShape="0">
                     <a:schemeClr val="bg2"/>
@@ -6795,7 +8463,7 @@
           <a:blip r:embed="rId4" cstate="print">
             <a:extLst>
               <a:ext uri="{28A0092B-C50C-407E-A947-70E740481C1C}">
-                <a14:useLocalDpi xmlns:a14="http://schemas.microsoft.com/office/drawing/2010/main" val="0"/>
+                <a14:useLocalDpi xmlns:a14="http://schemas.microsoft.com/office/drawing/2010/main" xmlns="" val="0"/>
               </a:ext>
             </a:extLst>
           </a:blip>
@@ -6819,14 +8487,14 @@
           <a:effectLst/>
           <a:extLst>
             <a:ext uri="{909E8E84-426E-40DD-AFC4-6F175D3DCCD1}">
-              <a14:hiddenFill xmlns:a14="http://schemas.microsoft.com/office/drawing/2010/main">
+              <a14:hiddenFill xmlns:a14="http://schemas.microsoft.com/office/drawing/2010/main" xmlns="">
                 <a:solidFill>
                   <a:schemeClr val="accent1"/>
                 </a:solidFill>
               </a14:hiddenFill>
             </a:ext>
             <a:ext uri="{91240B29-F687-4F45-9708-019B960494DF}">
-              <a14:hiddenLine xmlns:a14="http://schemas.microsoft.com/office/drawing/2010/main" w="9525">
+              <a14:hiddenLine xmlns:a14="http://schemas.microsoft.com/office/drawing/2010/main" xmlns="" w="9525">
                 <a:solidFill>
                   <a:schemeClr val="tx1"/>
                 </a:solidFill>
@@ -6836,7 +8504,7 @@
               </a14:hiddenLine>
             </a:ext>
             <a:ext uri="{AF507438-7753-43E0-B8FC-AC1667EBCBE1}">
-              <a14:hiddenEffects xmlns:a14="http://schemas.microsoft.com/office/drawing/2010/main">
+              <a14:hiddenEffects xmlns:a14="http://schemas.microsoft.com/office/drawing/2010/main" xmlns="">
                 <a:effectLst>
                   <a:outerShdw dist="35921" dir="2700000" algn="ctr" rotWithShape="0">
                     <a:schemeClr val="bg2"/>
@@ -6859,7 +8527,7 @@
           <a:blip r:embed="rId5" cstate="print">
             <a:extLst>
               <a:ext uri="{28A0092B-C50C-407E-A947-70E740481C1C}">
-                <a14:useLocalDpi xmlns:a14="http://schemas.microsoft.com/office/drawing/2010/main" val="0"/>
+                <a14:useLocalDpi xmlns:a14="http://schemas.microsoft.com/office/drawing/2010/main" xmlns="" val="0"/>
               </a:ext>
             </a:extLst>
           </a:blip>
@@ -6883,14 +8551,14 @@
           <a:effectLst/>
           <a:extLst>
             <a:ext uri="{909E8E84-426E-40DD-AFC4-6F175D3DCCD1}">
-              <a14:hiddenFill xmlns:a14="http://schemas.microsoft.com/office/drawing/2010/main">
+              <a14:hiddenFill xmlns:a14="http://schemas.microsoft.com/office/drawing/2010/main" xmlns="">
                 <a:solidFill>
                   <a:schemeClr val="accent1"/>
                 </a:solidFill>
               </a14:hiddenFill>
             </a:ext>
             <a:ext uri="{91240B29-F687-4F45-9708-019B960494DF}">
-              <a14:hiddenLine xmlns:a14="http://schemas.microsoft.com/office/drawing/2010/main" w="9525">
+              <a14:hiddenLine xmlns:a14="http://schemas.microsoft.com/office/drawing/2010/main" xmlns="" w="9525">
                 <a:solidFill>
                   <a:schemeClr val="tx1"/>
                 </a:solidFill>
@@ -6900,7 +8568,7 @@
               </a14:hiddenLine>
             </a:ext>
             <a:ext uri="{AF507438-7753-43E0-B8FC-AC1667EBCBE1}">
-              <a14:hiddenEffects xmlns:a14="http://schemas.microsoft.com/office/drawing/2010/main">
+              <a14:hiddenEffects xmlns:a14="http://schemas.microsoft.com/office/drawing/2010/main" xmlns="">
                 <a:effectLst>
                   <a:outerShdw dist="35921" dir="2700000" algn="ctr" rotWithShape="0">
                     <a:schemeClr val="bg2"/>
@@ -6923,7 +8591,7 @@
           <a:blip r:embed="rId6" cstate="print">
             <a:extLst>
               <a:ext uri="{28A0092B-C50C-407E-A947-70E740481C1C}">
-                <a14:useLocalDpi xmlns:a14="http://schemas.microsoft.com/office/drawing/2010/main" val="0"/>
+                <a14:useLocalDpi xmlns:a14="http://schemas.microsoft.com/office/drawing/2010/main" xmlns="" val="0"/>
               </a:ext>
             </a:extLst>
           </a:blip>
@@ -6947,14 +8615,14 @@
           <a:effectLst/>
           <a:extLst>
             <a:ext uri="{909E8E84-426E-40DD-AFC4-6F175D3DCCD1}">
-              <a14:hiddenFill xmlns:a14="http://schemas.microsoft.com/office/drawing/2010/main">
+              <a14:hiddenFill xmlns:a14="http://schemas.microsoft.com/office/drawing/2010/main" xmlns="">
                 <a:solidFill>
                   <a:schemeClr val="accent1"/>
                 </a:solidFill>
               </a14:hiddenFill>
             </a:ext>
             <a:ext uri="{91240B29-F687-4F45-9708-019B960494DF}">
-              <a14:hiddenLine xmlns:a14="http://schemas.microsoft.com/office/drawing/2010/main" w="9525">
+              <a14:hiddenLine xmlns:a14="http://schemas.microsoft.com/office/drawing/2010/main" xmlns="" w="9525">
                 <a:solidFill>
                   <a:schemeClr val="tx1"/>
                 </a:solidFill>
@@ -6964,7 +8632,7 @@
               </a14:hiddenLine>
             </a:ext>
             <a:ext uri="{AF507438-7753-43E0-B8FC-AC1667EBCBE1}">
-              <a14:hiddenEffects xmlns:a14="http://schemas.microsoft.com/office/drawing/2010/main">
+              <a14:hiddenEffects xmlns:a14="http://schemas.microsoft.com/office/drawing/2010/main" xmlns="">
                 <a:effectLst>
                   <a:outerShdw dist="35921" dir="2700000" algn="ctr" rotWithShape="0">
                     <a:schemeClr val="bg2"/>
@@ -6978,7 +8646,7 @@
     </p:spTree>
     <p:extLst>
       <p:ext uri="{BB962C8B-B14F-4D97-AF65-F5344CB8AC3E}">
-        <p14:creationId xmlns:p14="http://schemas.microsoft.com/office/powerpoint/2010/main" val="791077900"/>
+        <p14:creationId xmlns:p14="http://schemas.microsoft.com/office/powerpoint/2010/main" xmlns="" val="791077900"/>
       </p:ext>
     </p:extLst>
   </p:cSld>
